--- a/w6d2-mt.pptx
+++ b/w6d2-mt.pptx
@@ -5,7 +5,7 @@
     <p:sldMasterId id="2147483648" r:id="rId1"/>
   </p:sldMasterIdLst>
   <p:notesMasterIdLst>
-    <p:notesMasterId r:id="rId40"/>
+    <p:notesMasterId r:id="rId41"/>
   </p:notesMasterIdLst>
   <p:sldIdLst>
     <p:sldId id="256" r:id="rId2"/>
@@ -45,7 +45,8 @@
     <p:sldId id="490" r:id="rId36"/>
     <p:sldId id="491" r:id="rId37"/>
     <p:sldId id="493" r:id="rId38"/>
-    <p:sldId id="492" r:id="rId39"/>
+    <p:sldId id="494" r:id="rId39"/>
+    <p:sldId id="492" r:id="rId40"/>
   </p:sldIdLst>
   <p:sldSz cx="12192000" cy="6858000"/>
   <p:notesSz cx="6858000" cy="9144000"/>
@@ -975,852 +976,6 @@
           </pc:sldLayoutMkLst>
         </pc:sldLayoutChg>
       </pc:sldMasterChg>
-    </pc:docChg>
-  </pc:docChgLst>
-  <pc:docChgLst>
-    <pc:chgData name="健 翁" userId="bedff36119963aae" providerId="LiveId" clId="{B988CD94-6A36-0C46-B7AD-D7691F6E276F}"/>
-    <pc:docChg chg="undo custSel addSld delSld modSld sldOrd modMainMaster">
-      <pc:chgData name="健 翁" userId="bedff36119963aae" providerId="LiveId" clId="{B988CD94-6A36-0C46-B7AD-D7691F6E276F}" dt="2025-08-04T07:51:23.823" v="5476" actId="20577"/>
-      <pc:docMkLst>
-        <pc:docMk/>
-      </pc:docMkLst>
-      <pc:sldChg chg="addSp modSp mod">
-        <pc:chgData name="健 翁" userId="bedff36119963aae" providerId="LiveId" clId="{B988CD94-6A36-0C46-B7AD-D7691F6E276F}" dt="2025-08-04T07:51:23.823" v="5476" actId="20577"/>
-        <pc:sldMkLst>
-          <pc:docMk/>
-          <pc:sldMk cId="2548739364" sldId="256"/>
-        </pc:sldMkLst>
-      </pc:sldChg>
-      <pc:sldChg chg="addSp delSp modSp mod">
-        <pc:chgData name="健 翁" userId="bedff36119963aae" providerId="LiveId" clId="{B988CD94-6A36-0C46-B7AD-D7691F6E276F}" dt="2025-08-04T02:40:40.497" v="641" actId="20577"/>
-        <pc:sldMkLst>
-          <pc:docMk/>
-          <pc:sldMk cId="39619622" sldId="257"/>
-        </pc:sldMkLst>
-      </pc:sldChg>
-      <pc:sldChg chg="addSp modSp new mod">
-        <pc:chgData name="健 翁" userId="bedff36119963aae" providerId="LiveId" clId="{B988CD94-6A36-0C46-B7AD-D7691F6E276F}" dt="2025-08-04T04:38:18.734" v="1602" actId="20577"/>
-        <pc:sldMkLst>
-          <pc:docMk/>
-          <pc:sldMk cId="1848312201" sldId="258"/>
-        </pc:sldMkLst>
-      </pc:sldChg>
-      <pc:sldChg chg="modSp new del mod">
-        <pc:chgData name="健 翁" userId="bedff36119963aae" providerId="LiveId" clId="{B988CD94-6A36-0C46-B7AD-D7691F6E276F}" dt="2025-08-03T00:53:12.395" v="310" actId="2696"/>
-        <pc:sldMkLst>
-          <pc:docMk/>
-          <pc:sldMk cId="2636151822" sldId="259"/>
-        </pc:sldMkLst>
-      </pc:sldChg>
-      <pc:sldChg chg="delSp modSp add mod">
-        <pc:chgData name="健 翁" userId="bedff36119963aae" providerId="LiveId" clId="{B988CD94-6A36-0C46-B7AD-D7691F6E276F}" dt="2025-08-03T00:56:31.456" v="344" actId="478"/>
-        <pc:sldMkLst>
-          <pc:docMk/>
-          <pc:sldMk cId="529651272" sldId="264"/>
-        </pc:sldMkLst>
-      </pc:sldChg>
-      <pc:sldChg chg="delSp modSp add mod">
-        <pc:chgData name="健 翁" userId="bedff36119963aae" providerId="LiveId" clId="{B988CD94-6A36-0C46-B7AD-D7691F6E276F}" dt="2025-08-04T02:32:09.206" v="413" actId="20577"/>
-        <pc:sldMkLst>
-          <pc:docMk/>
-          <pc:sldMk cId="1136956135" sldId="265"/>
-        </pc:sldMkLst>
-      </pc:sldChg>
-      <pc:sldChg chg="delSp modSp add mod ord">
-        <pc:chgData name="健 翁" userId="bedff36119963aae" providerId="LiveId" clId="{B988CD94-6A36-0C46-B7AD-D7691F6E276F}" dt="2025-08-04T02:32:34.453" v="418" actId="20578"/>
-        <pc:sldMkLst>
-          <pc:docMk/>
-          <pc:sldMk cId="2383272540" sldId="266"/>
-        </pc:sldMkLst>
-      </pc:sldChg>
-      <pc:sldChg chg="delSp add">
-        <pc:chgData name="健 翁" userId="bedff36119963aae" providerId="LiveId" clId="{B988CD94-6A36-0C46-B7AD-D7691F6E276F}" dt="2025-08-03T01:00:12.155" v="358"/>
-        <pc:sldMkLst>
-          <pc:docMk/>
-          <pc:sldMk cId="2058716841" sldId="267"/>
-        </pc:sldMkLst>
-      </pc:sldChg>
-      <pc:sldChg chg="delSp modSp add mod">
-        <pc:chgData name="健 翁" userId="bedff36119963aae" providerId="LiveId" clId="{B988CD94-6A36-0C46-B7AD-D7691F6E276F}" dt="2025-08-04T02:41:33.608" v="653" actId="478"/>
-        <pc:sldMkLst>
-          <pc:docMk/>
-          <pc:sldMk cId="2840851764" sldId="268"/>
-        </pc:sldMkLst>
-      </pc:sldChg>
-      <pc:sldChg chg="delSp add mod">
-        <pc:chgData name="健 翁" userId="bedff36119963aae" providerId="LiveId" clId="{B988CD94-6A36-0C46-B7AD-D7691F6E276F}" dt="2025-08-04T02:41:13.486" v="646" actId="478"/>
-        <pc:sldMkLst>
-          <pc:docMk/>
-          <pc:sldMk cId="3003769764" sldId="269"/>
-        </pc:sldMkLst>
-      </pc:sldChg>
-      <pc:sldChg chg="delSp modSp add mod ord">
-        <pc:chgData name="健 翁" userId="bedff36119963aae" providerId="LiveId" clId="{B988CD94-6A36-0C46-B7AD-D7691F6E276F}" dt="2025-08-04T02:32:34.453" v="418" actId="20578"/>
-        <pc:sldMkLst>
-          <pc:docMk/>
-          <pc:sldMk cId="1446956432" sldId="270"/>
-        </pc:sldMkLst>
-      </pc:sldChg>
-      <pc:sldChg chg="delSp add ord">
-        <pc:chgData name="健 翁" userId="bedff36119963aae" providerId="LiveId" clId="{B988CD94-6A36-0C46-B7AD-D7691F6E276F}" dt="2025-08-04T02:32:34.453" v="418" actId="20578"/>
-        <pc:sldMkLst>
-          <pc:docMk/>
-          <pc:sldMk cId="1410791842" sldId="271"/>
-        </pc:sldMkLst>
-      </pc:sldChg>
-      <pc:sldChg chg="delSp add ord">
-        <pc:chgData name="健 翁" userId="bedff36119963aae" providerId="LiveId" clId="{B988CD94-6A36-0C46-B7AD-D7691F6E276F}" dt="2025-08-04T02:32:34.453" v="418" actId="20578"/>
-        <pc:sldMkLst>
-          <pc:docMk/>
-          <pc:sldMk cId="1407638139" sldId="272"/>
-        </pc:sldMkLst>
-      </pc:sldChg>
-      <pc:sldChg chg="delSp modSp add ord">
-        <pc:chgData name="健 翁" userId="bedff36119963aae" providerId="LiveId" clId="{B988CD94-6A36-0C46-B7AD-D7691F6E276F}" dt="2025-08-04T02:32:34.453" v="418" actId="20578"/>
-        <pc:sldMkLst>
-          <pc:docMk/>
-          <pc:sldMk cId="3520861295" sldId="273"/>
-        </pc:sldMkLst>
-      </pc:sldChg>
-      <pc:sldChg chg="delSp add mod">
-        <pc:chgData name="健 翁" userId="bedff36119963aae" providerId="LiveId" clId="{B988CD94-6A36-0C46-B7AD-D7691F6E276F}" dt="2025-08-04T02:41:30.743" v="652" actId="478"/>
-        <pc:sldMkLst>
-          <pc:docMk/>
-          <pc:sldMk cId="901369015" sldId="274"/>
-        </pc:sldMkLst>
-      </pc:sldChg>
-      <pc:sldChg chg="delSp add mod">
-        <pc:chgData name="健 翁" userId="bedff36119963aae" providerId="LiveId" clId="{B988CD94-6A36-0C46-B7AD-D7691F6E276F}" dt="2025-08-04T02:41:18.409" v="648" actId="478"/>
-        <pc:sldMkLst>
-          <pc:docMk/>
-          <pc:sldMk cId="2423072054" sldId="275"/>
-        </pc:sldMkLst>
-      </pc:sldChg>
-      <pc:sldChg chg="delSp modSp add mod modAnim">
-        <pc:chgData name="健 翁" userId="bedff36119963aae" providerId="LiveId" clId="{B988CD94-6A36-0C46-B7AD-D7691F6E276F}" dt="2025-08-04T05:07:12.025" v="2511" actId="20577"/>
-        <pc:sldMkLst>
-          <pc:docMk/>
-          <pc:sldMk cId="3787905203" sldId="276"/>
-        </pc:sldMkLst>
-      </pc:sldChg>
-      <pc:sldChg chg="delSp add mod">
-        <pc:chgData name="健 翁" userId="bedff36119963aae" providerId="LiveId" clId="{B988CD94-6A36-0C46-B7AD-D7691F6E276F}" dt="2025-08-04T02:41:08.865" v="645" actId="478"/>
-        <pc:sldMkLst>
-          <pc:docMk/>
-          <pc:sldMk cId="985243841" sldId="278"/>
-        </pc:sldMkLst>
-      </pc:sldChg>
-      <pc:sldChg chg="delSp add mod">
-        <pc:chgData name="健 翁" userId="bedff36119963aae" providerId="LiveId" clId="{B988CD94-6A36-0C46-B7AD-D7691F6E276F}" dt="2025-08-04T02:41:01.699" v="642" actId="478"/>
-        <pc:sldMkLst>
-          <pc:docMk/>
-          <pc:sldMk cId="1508513941" sldId="279"/>
-        </pc:sldMkLst>
-      </pc:sldChg>
-      <pc:sldChg chg="delSp add ord">
-        <pc:chgData name="健 翁" userId="bedff36119963aae" providerId="LiveId" clId="{B988CD94-6A36-0C46-B7AD-D7691F6E276F}" dt="2025-08-04T02:32:34.453" v="418" actId="20578"/>
-        <pc:sldMkLst>
-          <pc:docMk/>
-          <pc:sldMk cId="4251472805" sldId="280"/>
-        </pc:sldMkLst>
-      </pc:sldChg>
-      <pc:sldChg chg="delSp add ord">
-        <pc:chgData name="健 翁" userId="bedff36119963aae" providerId="LiveId" clId="{B988CD94-6A36-0C46-B7AD-D7691F6E276F}" dt="2025-08-04T02:35:14.603" v="473" actId="20578"/>
-        <pc:sldMkLst>
-          <pc:docMk/>
-          <pc:sldMk cId="664028524" sldId="281"/>
-        </pc:sldMkLst>
-      </pc:sldChg>
-      <pc:sldChg chg="delSp add mod">
-        <pc:chgData name="健 翁" userId="bedff36119963aae" providerId="LiveId" clId="{B988CD94-6A36-0C46-B7AD-D7691F6E276F}" dt="2025-08-04T02:41:23.244" v="649" actId="478"/>
-        <pc:sldMkLst>
-          <pc:docMk/>
-          <pc:sldMk cId="24751905" sldId="282"/>
-        </pc:sldMkLst>
-      </pc:sldChg>
-      <pc:sldChg chg="delSp modSp add mod ord">
-        <pc:chgData name="健 翁" userId="bedff36119963aae" providerId="LiveId" clId="{B988CD94-6A36-0C46-B7AD-D7691F6E276F}" dt="2025-08-04T02:34:31.205" v="471" actId="20577"/>
-        <pc:sldMkLst>
-          <pc:docMk/>
-          <pc:sldMk cId="962886785" sldId="284"/>
-        </pc:sldMkLst>
-      </pc:sldChg>
-      <pc:sldChg chg="new del">
-        <pc:chgData name="健 翁" userId="bedff36119963aae" providerId="LiveId" clId="{B988CD94-6A36-0C46-B7AD-D7691F6E276F}" dt="2025-08-03T00:58:49.893" v="357" actId="2696"/>
-        <pc:sldMkLst>
-          <pc:docMk/>
-          <pc:sldMk cId="3534078777" sldId="285"/>
-        </pc:sldMkLst>
-      </pc:sldChg>
-      <pc:sldChg chg="delSp add mod">
-        <pc:chgData name="健 翁" userId="bedff36119963aae" providerId="LiveId" clId="{B988CD94-6A36-0C46-B7AD-D7691F6E276F}" dt="2025-08-04T02:41:37.321" v="654" actId="478"/>
-        <pc:sldMkLst>
-          <pc:docMk/>
-          <pc:sldMk cId="4242384790" sldId="285"/>
-        </pc:sldMkLst>
-      </pc:sldChg>
-      <pc:sldChg chg="modSp add mod">
-        <pc:chgData name="健 翁" userId="bedff36119963aae" providerId="LiveId" clId="{B988CD94-6A36-0C46-B7AD-D7691F6E276F}" dt="2025-08-04T05:06:45.652" v="2510" actId="20577"/>
-        <pc:sldMkLst>
-          <pc:docMk/>
-          <pc:sldMk cId="2983435651" sldId="286"/>
-        </pc:sldMkLst>
-      </pc:sldChg>
-      <pc:sldChg chg="modSp add mod ord">
-        <pc:chgData name="健 翁" userId="bedff36119963aae" providerId="LiveId" clId="{B988CD94-6A36-0C46-B7AD-D7691F6E276F}" dt="2025-08-04T05:50:20.260" v="4009" actId="20578"/>
-        <pc:sldMkLst>
-          <pc:docMk/>
-          <pc:sldMk cId="818084614" sldId="338"/>
-        </pc:sldMkLst>
-      </pc:sldChg>
-      <pc:sldChg chg="delSp add mod">
-        <pc:chgData name="健 翁" userId="bedff36119963aae" providerId="LiveId" clId="{B988CD94-6A36-0C46-B7AD-D7691F6E276F}" dt="2025-08-04T02:41:16.306" v="647" actId="478"/>
-        <pc:sldMkLst>
-          <pc:docMk/>
-          <pc:sldMk cId="4187049504" sldId="399"/>
-        </pc:sldMkLst>
-      </pc:sldChg>
-      <pc:sldChg chg="delSp modSp add mod">
-        <pc:chgData name="健 翁" userId="bedff36119963aae" providerId="LiveId" clId="{B988CD94-6A36-0C46-B7AD-D7691F6E276F}" dt="2025-08-04T02:41:05.406" v="644" actId="478"/>
-        <pc:sldMkLst>
-          <pc:docMk/>
-          <pc:sldMk cId="1234008100" sldId="400"/>
-        </pc:sldMkLst>
-      </pc:sldChg>
-      <pc:sldChg chg="add">
-        <pc:chgData name="健 翁" userId="bedff36119963aae" providerId="LiveId" clId="{B988CD94-6A36-0C46-B7AD-D7691F6E276F}" dt="2025-08-04T02:42:21.948" v="655"/>
-        <pc:sldMkLst>
-          <pc:docMk/>
-          <pc:sldMk cId="3543951974" sldId="401"/>
-        </pc:sldMkLst>
-      </pc:sldChg>
-      <pc:sldChg chg="modSp add mod">
-        <pc:chgData name="健 翁" userId="bedff36119963aae" providerId="LiveId" clId="{B988CD94-6A36-0C46-B7AD-D7691F6E276F}" dt="2025-08-04T02:42:35.470" v="656" actId="14100"/>
-        <pc:sldMkLst>
-          <pc:docMk/>
-          <pc:sldMk cId="1666367455" sldId="451"/>
-        </pc:sldMkLst>
-      </pc:sldChg>
-      <pc:sldChg chg="modSp new del mod">
-        <pc:chgData name="健 翁" userId="bedff36119963aae" providerId="LiveId" clId="{B988CD94-6A36-0C46-B7AD-D7691F6E276F}" dt="2025-08-04T03:31:29.976" v="716" actId="2696"/>
-        <pc:sldMkLst>
-          <pc:docMk/>
-          <pc:sldMk cId="1797935910" sldId="452"/>
-        </pc:sldMkLst>
-      </pc:sldChg>
-      <pc:sldChg chg="addSp delSp modSp new mod">
-        <pc:chgData name="健 翁" userId="bedff36119963aae" providerId="LiveId" clId="{B988CD94-6A36-0C46-B7AD-D7691F6E276F}" dt="2025-08-04T03:47:19.823" v="812" actId="20577"/>
-        <pc:sldMkLst>
-          <pc:docMk/>
-          <pc:sldMk cId="2653077803" sldId="452"/>
-        </pc:sldMkLst>
-      </pc:sldChg>
-      <pc:sldChg chg="addSp modSp new mod ord">
-        <pc:chgData name="健 翁" userId="bedff36119963aae" providerId="LiveId" clId="{B988CD94-6A36-0C46-B7AD-D7691F6E276F}" dt="2025-08-04T05:42:23.268" v="3762" actId="20578"/>
-        <pc:sldMkLst>
-          <pc:docMk/>
-          <pc:sldMk cId="3876501101" sldId="453"/>
-        </pc:sldMkLst>
-      </pc:sldChg>
-      <pc:sldChg chg="modSp new mod">
-        <pc:chgData name="健 翁" userId="bedff36119963aae" providerId="LiveId" clId="{B988CD94-6A36-0C46-B7AD-D7691F6E276F}" dt="2025-08-04T03:56:55.195" v="1356" actId="20577"/>
-        <pc:sldMkLst>
-          <pc:docMk/>
-          <pc:sldMk cId="3582185647" sldId="454"/>
-        </pc:sldMkLst>
-      </pc:sldChg>
-      <pc:sldChg chg="modSp new mod">
-        <pc:chgData name="健 翁" userId="bedff36119963aae" providerId="LiveId" clId="{B988CD94-6A36-0C46-B7AD-D7691F6E276F}" dt="2025-08-04T05:51:12.060" v="4091" actId="20577"/>
-        <pc:sldMkLst>
-          <pc:docMk/>
-          <pc:sldMk cId="1761221459" sldId="455"/>
-        </pc:sldMkLst>
-      </pc:sldChg>
-      <pc:sldChg chg="addSp modSp new mod">
-        <pc:chgData name="健 翁" userId="bedff36119963aae" providerId="LiveId" clId="{B988CD94-6A36-0C46-B7AD-D7691F6E276F}" dt="2025-08-04T04:43:27.335" v="1732" actId="1036"/>
-        <pc:sldMkLst>
-          <pc:docMk/>
-          <pc:sldMk cId="4243396593" sldId="456"/>
-        </pc:sldMkLst>
-      </pc:sldChg>
-      <pc:sldChg chg="addSp modSp new mod">
-        <pc:chgData name="健 翁" userId="bedff36119963aae" providerId="LiveId" clId="{B988CD94-6A36-0C46-B7AD-D7691F6E276F}" dt="2025-08-04T04:45:04.953" v="1873" actId="1076"/>
-        <pc:sldMkLst>
-          <pc:docMk/>
-          <pc:sldMk cId="3412293748" sldId="457"/>
-        </pc:sldMkLst>
-      </pc:sldChg>
-      <pc:sldChg chg="addSp delSp modSp add mod modAnim">
-        <pc:chgData name="健 翁" userId="bedff36119963aae" providerId="LiveId" clId="{B988CD94-6A36-0C46-B7AD-D7691F6E276F}" dt="2025-08-04T04:47:16.451" v="1946" actId="14100"/>
-        <pc:sldMkLst>
-          <pc:docMk/>
-          <pc:sldMk cId="2346065916" sldId="458"/>
-        </pc:sldMkLst>
-      </pc:sldChg>
-      <pc:sldChg chg="addSp delSp modSp add mod modAnim">
-        <pc:chgData name="健 翁" userId="bedff36119963aae" providerId="LiveId" clId="{B988CD94-6A36-0C46-B7AD-D7691F6E276F}" dt="2025-08-04T05:03:53.844" v="2456" actId="692"/>
-        <pc:sldMkLst>
-          <pc:docMk/>
-          <pc:sldMk cId="2113921390" sldId="459"/>
-        </pc:sldMkLst>
-      </pc:sldChg>
-      <pc:sldChg chg="addSp delSp modSp add mod">
-        <pc:chgData name="健 翁" userId="bedff36119963aae" providerId="LiveId" clId="{B988CD94-6A36-0C46-B7AD-D7691F6E276F}" dt="2025-08-04T05:03:43.936" v="2454" actId="1076"/>
-        <pc:sldMkLst>
-          <pc:docMk/>
-          <pc:sldMk cId="2987208636" sldId="460"/>
-        </pc:sldMkLst>
-      </pc:sldChg>
-      <pc:sldChg chg="add modAnim">
-        <pc:chgData name="健 翁" userId="bedff36119963aae" providerId="LiveId" clId="{B988CD94-6A36-0C46-B7AD-D7691F6E276F}" dt="2025-08-04T05:07:29.904" v="2512"/>
-        <pc:sldMkLst>
-          <pc:docMk/>
-          <pc:sldMk cId="3735277948" sldId="461"/>
-        </pc:sldMkLst>
-      </pc:sldChg>
-      <pc:sldChg chg="addSp delSp modSp new mod modAnim">
-        <pc:chgData name="健 翁" userId="bedff36119963aae" providerId="LiveId" clId="{B988CD94-6A36-0C46-B7AD-D7691F6E276F}" dt="2025-08-04T05:10:53.063" v="2591" actId="1076"/>
-        <pc:sldMkLst>
-          <pc:docMk/>
-          <pc:sldMk cId="1553765207" sldId="462"/>
-        </pc:sldMkLst>
-      </pc:sldChg>
-      <pc:sldChg chg="addSp delSp modSp new mod ord">
-        <pc:chgData name="健 翁" userId="bedff36119963aae" providerId="LiveId" clId="{B988CD94-6A36-0C46-B7AD-D7691F6E276F}" dt="2025-08-04T05:43:11.126" v="3770" actId="207"/>
-        <pc:sldMkLst>
-          <pc:docMk/>
-          <pc:sldMk cId="2421151906" sldId="463"/>
-        </pc:sldMkLst>
-      </pc:sldChg>
-      <pc:sldChg chg="addSp modSp add mod modAnim">
-        <pc:chgData name="健 翁" userId="bedff36119963aae" providerId="LiveId" clId="{B988CD94-6A36-0C46-B7AD-D7691F6E276F}" dt="2025-08-04T05:43:24.715" v="3772" actId="207"/>
-        <pc:sldMkLst>
-          <pc:docMk/>
-          <pc:sldMk cId="2837117164" sldId="464"/>
-        </pc:sldMkLst>
-      </pc:sldChg>
-      <pc:sldChg chg="addSp modSp add mod">
-        <pc:chgData name="健 翁" userId="bedff36119963aae" providerId="LiveId" clId="{B988CD94-6A36-0C46-B7AD-D7691F6E276F}" dt="2025-08-04T05:56:13.947" v="4096" actId="14100"/>
-        <pc:sldMkLst>
-          <pc:docMk/>
-          <pc:sldMk cId="11088245" sldId="465"/>
-        </pc:sldMkLst>
-      </pc:sldChg>
-      <pc:sldChg chg="addSp delSp modSp add mod">
-        <pc:chgData name="健 翁" userId="bedff36119963aae" providerId="LiveId" clId="{B988CD94-6A36-0C46-B7AD-D7691F6E276F}" dt="2025-08-04T05:42:03.360" v="3761" actId="1036"/>
-        <pc:sldMkLst>
-          <pc:docMk/>
-          <pc:sldMk cId="3164274366" sldId="466"/>
-        </pc:sldMkLst>
-      </pc:sldChg>
-      <pc:sldChg chg="addSp modSp add mod">
-        <pc:chgData name="健 翁" userId="bedff36119963aae" providerId="LiveId" clId="{B988CD94-6A36-0C46-B7AD-D7691F6E276F}" dt="2025-08-04T05:36:12.012" v="3531" actId="692"/>
-        <pc:sldMkLst>
-          <pc:docMk/>
-          <pc:sldMk cId="512119681" sldId="467"/>
-        </pc:sldMkLst>
-      </pc:sldChg>
-      <pc:sldChg chg="addSp modSp new mod">
-        <pc:chgData name="健 翁" userId="bedff36119963aae" providerId="LiveId" clId="{B988CD94-6A36-0C46-B7AD-D7691F6E276F}" dt="2025-08-04T05:43:57.894" v="3812" actId="20577"/>
-        <pc:sldMkLst>
-          <pc:docMk/>
-          <pc:sldMk cId="166049381" sldId="468"/>
-        </pc:sldMkLst>
-      </pc:sldChg>
-      <pc:sldChg chg="delSp modSp add mod">
-        <pc:chgData name="健 翁" userId="bedff36119963aae" providerId="LiveId" clId="{B988CD94-6A36-0C46-B7AD-D7691F6E276F}" dt="2025-08-04T05:44:29.345" v="3882" actId="20577"/>
-        <pc:sldMkLst>
-          <pc:docMk/>
-          <pc:sldMk cId="2227964519" sldId="469"/>
-        </pc:sldMkLst>
-      </pc:sldChg>
-      <pc:sldChg chg="add">
-        <pc:chgData name="健 翁" userId="bedff36119963aae" providerId="LiveId" clId="{B988CD94-6A36-0C46-B7AD-D7691F6E276F}" dt="2025-08-04T05:50:15.319" v="4008"/>
-        <pc:sldMkLst>
-          <pc:docMk/>
-          <pc:sldMk cId="2665282754" sldId="470"/>
-        </pc:sldMkLst>
-      </pc:sldChg>
-      <pc:sldChg chg="addSp delSp modSp new mod">
-        <pc:chgData name="健 翁" userId="bedff36119963aae" providerId="LiveId" clId="{B988CD94-6A36-0C46-B7AD-D7691F6E276F}" dt="2025-08-04T07:33:22.235" v="4827" actId="1076"/>
-        <pc:sldMkLst>
-          <pc:docMk/>
-          <pc:sldMk cId="955901285" sldId="471"/>
-        </pc:sldMkLst>
-      </pc:sldChg>
-      <pc:sldChg chg="modSp add mod">
-        <pc:chgData name="健 翁" userId="bedff36119963aae" providerId="LiveId" clId="{B988CD94-6A36-0C46-B7AD-D7691F6E276F}" dt="2025-08-04T07:35:07.406" v="5080" actId="20577"/>
-        <pc:sldMkLst>
-          <pc:docMk/>
-          <pc:sldMk cId="1931530313" sldId="472"/>
-        </pc:sldMkLst>
-      </pc:sldChg>
-      <pc:sldChg chg="delSp modSp add mod">
-        <pc:chgData name="健 翁" userId="bedff36119963aae" providerId="LiveId" clId="{B988CD94-6A36-0C46-B7AD-D7691F6E276F}" dt="2025-08-04T07:38:37.724" v="5471" actId="1076"/>
-        <pc:sldMkLst>
-          <pc:docMk/>
-          <pc:sldMk cId="1363804738" sldId="473"/>
-        </pc:sldMkLst>
-      </pc:sldChg>
-      <pc:sldChg chg="modSp add mod">
-        <pc:chgData name="健 翁" userId="bedff36119963aae" providerId="LiveId" clId="{B988CD94-6A36-0C46-B7AD-D7691F6E276F}" dt="2025-08-04T07:49:14.509" v="5475" actId="113"/>
-        <pc:sldMkLst>
-          <pc:docMk/>
-          <pc:sldMk cId="1042054828" sldId="474"/>
-        </pc:sldMkLst>
-      </pc:sldChg>
-      <pc:sldMasterChg chg="modSp mod modSldLayout">
-        <pc:chgData name="健 翁" userId="bedff36119963aae" providerId="LiveId" clId="{B988CD94-6A36-0C46-B7AD-D7691F6E276F}" dt="2025-08-03T00:58:33.050" v="355" actId="207"/>
-        <pc:sldMasterMkLst>
-          <pc:docMk/>
-          <pc:sldMasterMk cId="1737808725" sldId="2147483648"/>
-        </pc:sldMasterMkLst>
-        <pc:sldLayoutChg chg="modSp mod">
-          <pc:chgData name="健 翁" userId="bedff36119963aae" providerId="LiveId" clId="{B988CD94-6A36-0C46-B7AD-D7691F6E276F}" dt="2025-08-03T00:57:52.014" v="352" actId="207"/>
-          <pc:sldLayoutMkLst>
-            <pc:docMk/>
-            <pc:sldMasterMk cId="1737808725" sldId="2147483648"/>
-            <pc:sldLayoutMk cId="1496346861" sldId="2147483649"/>
-          </pc:sldLayoutMkLst>
-        </pc:sldLayoutChg>
-        <pc:sldLayoutChg chg="modSp mod">
-          <pc:chgData name="健 翁" userId="bedff36119963aae" providerId="LiveId" clId="{B988CD94-6A36-0C46-B7AD-D7691F6E276F}" dt="2025-08-03T00:57:02.108" v="349" actId="207"/>
-          <pc:sldLayoutMkLst>
-            <pc:docMk/>
-            <pc:sldMasterMk cId="1737808725" sldId="2147483648"/>
-            <pc:sldLayoutMk cId="226798156" sldId="2147483650"/>
-          </pc:sldLayoutMkLst>
-        </pc:sldLayoutChg>
-      </pc:sldMasterChg>
-    </pc:docChg>
-  </pc:docChgLst>
-  <pc:docChgLst>
-    <pc:chgData name="健 翁" userId="bedff36119963aae" providerId="LiveId" clId="{08B412B3-6950-B047-A601-127BCB29394A}"/>
-    <pc:docChg chg="undo custSel addSld delSld modSld sldOrd">
-      <pc:chgData name="健 翁" userId="bedff36119963aae" providerId="LiveId" clId="{08B412B3-6950-B047-A601-127BCB29394A}" dt="2025-08-07T06:50:02.420" v="10821" actId="20577"/>
-      <pc:docMkLst>
-        <pc:docMk/>
-      </pc:docMkLst>
-      <pc:sldChg chg="modSp mod">
-        <pc:chgData name="健 翁" userId="bedff36119963aae" providerId="LiveId" clId="{08B412B3-6950-B047-A601-127BCB29394A}" dt="2025-08-07T06:02:37.931" v="10815" actId="20577"/>
-        <pc:sldMkLst>
-          <pc:docMk/>
-          <pc:sldMk cId="2548739364" sldId="256"/>
-        </pc:sldMkLst>
-      </pc:sldChg>
-      <pc:sldChg chg="addSp delSp modSp mod">
-        <pc:chgData name="健 翁" userId="bedff36119963aae" providerId="LiveId" clId="{08B412B3-6950-B047-A601-127BCB29394A}" dt="2025-08-04T08:47:50.218" v="4"/>
-        <pc:sldMkLst>
-          <pc:docMk/>
-          <pc:sldMk cId="39619622" sldId="257"/>
-        </pc:sldMkLst>
-      </pc:sldChg>
-      <pc:sldChg chg="delSp modSp add mod">
-        <pc:chgData name="健 翁" userId="bedff36119963aae" providerId="LiveId" clId="{08B412B3-6950-B047-A601-127BCB29394A}" dt="2025-08-06T03:52:37.598" v="5710" actId="1076"/>
-        <pc:sldMkLst>
-          <pc:docMk/>
-          <pc:sldMk cId="1931530313" sldId="472"/>
-        </pc:sldMkLst>
-      </pc:sldChg>
-      <pc:sldChg chg="add">
-        <pc:chgData name="健 翁" userId="bedff36119963aae" providerId="LiveId" clId="{08B412B3-6950-B047-A601-127BCB29394A}" dt="2025-08-04T08:48:32.750" v="7"/>
-        <pc:sldMkLst>
-          <pc:docMk/>
-          <pc:sldMk cId="2265480471" sldId="5085"/>
-        </pc:sldMkLst>
-      </pc:sldChg>
-      <pc:sldChg chg="add">
-        <pc:chgData name="健 翁" userId="bedff36119963aae" providerId="LiveId" clId="{08B412B3-6950-B047-A601-127BCB29394A}" dt="2025-08-05T14:21:53.300" v="4175"/>
-        <pc:sldMkLst>
-          <pc:docMk/>
-          <pc:sldMk cId="1518614724" sldId="5089"/>
-        </pc:sldMkLst>
-      </pc:sldChg>
-      <pc:sldChg chg="addSp modSp add modAnim">
-        <pc:chgData name="健 翁" userId="bedff36119963aae" providerId="LiveId" clId="{08B412B3-6950-B047-A601-127BCB29394A}" dt="2025-08-06T03:27:23.155" v="5104"/>
-        <pc:sldMkLst>
-          <pc:docMk/>
-          <pc:sldMk cId="562610852" sldId="5125"/>
-        </pc:sldMkLst>
-      </pc:sldChg>
-      <pc:sldChg chg="add mod modShow">
-        <pc:chgData name="健 翁" userId="bedff36119963aae" providerId="LiveId" clId="{08B412B3-6950-B047-A601-127BCB29394A}" dt="2025-08-05T14:22:07.497" v="4176" actId="729"/>
-        <pc:sldMkLst>
-          <pc:docMk/>
-          <pc:sldMk cId="2212940397" sldId="5128"/>
-        </pc:sldMkLst>
-      </pc:sldChg>
-      <pc:sldChg chg="modSp add mod">
-        <pc:chgData name="健 翁" userId="bedff36119963aae" providerId="LiveId" clId="{08B412B3-6950-B047-A601-127BCB29394A}" dt="2025-08-06T11:27:01.740" v="10552" actId="27636"/>
-        <pc:sldMkLst>
-          <pc:docMk/>
-          <pc:sldMk cId="870711554" sldId="5134"/>
-        </pc:sldMkLst>
-      </pc:sldChg>
-      <pc:sldChg chg="modSp add mod">
-        <pc:chgData name="健 翁" userId="bedff36119963aae" providerId="LiveId" clId="{08B412B3-6950-B047-A601-127BCB29394A}" dt="2025-08-06T11:27:29.969" v="10557" actId="27636"/>
-        <pc:sldMkLst>
-          <pc:docMk/>
-          <pc:sldMk cId="4052375422" sldId="5135"/>
-        </pc:sldMkLst>
-      </pc:sldChg>
-      <pc:sldChg chg="add mod modShow">
-        <pc:chgData name="健 翁" userId="bedff36119963aae" providerId="LiveId" clId="{08B412B3-6950-B047-A601-127BCB29394A}" dt="2025-08-06T11:27:36.008" v="10558" actId="729"/>
-        <pc:sldMkLst>
-          <pc:docMk/>
-          <pc:sldMk cId="459581737" sldId="5136"/>
-        </pc:sldMkLst>
-      </pc:sldChg>
-      <pc:sldChg chg="modSp add mod">
-        <pc:chgData name="健 翁" userId="bedff36119963aae" providerId="LiveId" clId="{08B412B3-6950-B047-A601-127BCB29394A}" dt="2025-08-06T11:27:10.531" v="10555" actId="27636"/>
-        <pc:sldMkLst>
-          <pc:docMk/>
-          <pc:sldMk cId="1614710843" sldId="5142"/>
-        </pc:sldMkLst>
-      </pc:sldChg>
-      <pc:sldChg chg="modSp add mod">
-        <pc:chgData name="健 翁" userId="bedff36119963aae" providerId="LiveId" clId="{08B412B3-6950-B047-A601-127BCB29394A}" dt="2025-08-04T08:48:25.486" v="6" actId="27636"/>
-        <pc:sldMkLst>
-          <pc:docMk/>
-          <pc:sldMk cId="3102996273" sldId="5149"/>
-        </pc:sldMkLst>
-      </pc:sldChg>
-      <pc:sldChg chg="addSp modSp add mod">
-        <pc:chgData name="健 翁" userId="bedff36119963aae" providerId="LiveId" clId="{08B412B3-6950-B047-A601-127BCB29394A}" dt="2025-08-04T10:31:40.735" v="975" actId="20577"/>
-        <pc:sldMkLst>
-          <pc:docMk/>
-          <pc:sldMk cId="3899868927" sldId="5151"/>
-        </pc:sldMkLst>
-      </pc:sldChg>
-      <pc:sldChg chg="addSp delSp modSp new mod">
-        <pc:chgData name="健 翁" userId="bedff36119963aae" providerId="LiveId" clId="{08B412B3-6950-B047-A601-127BCB29394A}" dt="2025-08-04T10:13:00.914" v="805"/>
-        <pc:sldMkLst>
-          <pc:docMk/>
-          <pc:sldMk cId="68839045" sldId="5152"/>
-        </pc:sldMkLst>
-      </pc:sldChg>
-      <pc:sldChg chg="addSp delSp modSp new mod">
-        <pc:chgData name="健 翁" userId="bedff36119963aae" providerId="LiveId" clId="{08B412B3-6950-B047-A601-127BCB29394A}" dt="2025-08-05T14:01:25.084" v="4170" actId="1076"/>
-        <pc:sldMkLst>
-          <pc:docMk/>
-          <pc:sldMk cId="3977112199" sldId="5153"/>
-        </pc:sldMkLst>
-      </pc:sldChg>
-      <pc:sldChg chg="add del">
-        <pc:chgData name="健 翁" userId="bedff36119963aae" providerId="LiveId" clId="{08B412B3-6950-B047-A601-127BCB29394A}" dt="2025-08-04T10:10:46.704" v="494" actId="2696"/>
-        <pc:sldMkLst>
-          <pc:docMk/>
-          <pc:sldMk cId="4235564307" sldId="5153"/>
-        </pc:sldMkLst>
-      </pc:sldChg>
-      <pc:sldChg chg="addSp delSp modSp new mod">
-        <pc:chgData name="健 翁" userId="bedff36119963aae" providerId="LiveId" clId="{08B412B3-6950-B047-A601-127BCB29394A}" dt="2025-08-04T10:22:26.982" v="884" actId="1076"/>
-        <pc:sldMkLst>
-          <pc:docMk/>
-          <pc:sldMk cId="74970302" sldId="5154"/>
-        </pc:sldMkLst>
-      </pc:sldChg>
-      <pc:sldChg chg="addSp delSp modSp new mod">
-        <pc:chgData name="健 翁" userId="bedff36119963aae" providerId="LiveId" clId="{08B412B3-6950-B047-A601-127BCB29394A}" dt="2025-08-04T10:23:04.615" v="897" actId="1038"/>
-        <pc:sldMkLst>
-          <pc:docMk/>
-          <pc:sldMk cId="2038790528" sldId="5155"/>
-        </pc:sldMkLst>
-      </pc:sldChg>
-      <pc:sldChg chg="addSp delSp modSp new mod">
-        <pc:chgData name="健 翁" userId="bedff36119963aae" providerId="LiveId" clId="{08B412B3-6950-B047-A601-127BCB29394A}" dt="2025-08-04T10:33:30.910" v="980" actId="208"/>
-        <pc:sldMkLst>
-          <pc:docMk/>
-          <pc:sldMk cId="1421952188" sldId="5156"/>
-        </pc:sldMkLst>
-      </pc:sldChg>
-      <pc:sldChg chg="addSp modSp new mod">
-        <pc:chgData name="健 翁" userId="bedff36119963aae" providerId="LiveId" clId="{08B412B3-6950-B047-A601-127BCB29394A}" dt="2025-08-05T02:58:30.803" v="3160" actId="14100"/>
-        <pc:sldMkLst>
-          <pc:docMk/>
-          <pc:sldMk cId="367139676" sldId="5157"/>
-        </pc:sldMkLst>
-      </pc:sldChg>
-      <pc:sldChg chg="addSp modSp new mod">
-        <pc:chgData name="健 翁" userId="bedff36119963aae" providerId="LiveId" clId="{08B412B3-6950-B047-A601-127BCB29394A}" dt="2025-08-04T10:42:18.060" v="1595" actId="1035"/>
-        <pc:sldMkLst>
-          <pc:docMk/>
-          <pc:sldMk cId="1474620563" sldId="5158"/>
-        </pc:sldMkLst>
-      </pc:sldChg>
-      <pc:sldChg chg="addSp delSp modSp add mod">
-        <pc:chgData name="健 翁" userId="bedff36119963aae" providerId="LiveId" clId="{08B412B3-6950-B047-A601-127BCB29394A}" dt="2025-08-04T10:41:44.137" v="1584" actId="1076"/>
-        <pc:sldMkLst>
-          <pc:docMk/>
-          <pc:sldMk cId="2312525663" sldId="5159"/>
-        </pc:sldMkLst>
-      </pc:sldChg>
-      <pc:sldChg chg="new del">
-        <pc:chgData name="健 翁" userId="bedff36119963aae" providerId="LiveId" clId="{08B412B3-6950-B047-A601-127BCB29394A}" dt="2025-08-04T10:43:11.383" v="1597" actId="2696"/>
-        <pc:sldMkLst>
-          <pc:docMk/>
-          <pc:sldMk cId="1333091696" sldId="5160"/>
-        </pc:sldMkLst>
-      </pc:sldChg>
-      <pc:sldChg chg="delSp modSp add mod">
-        <pc:chgData name="健 翁" userId="bedff36119963aae" providerId="LiveId" clId="{08B412B3-6950-B047-A601-127BCB29394A}" dt="2025-08-06T03:10:27.130" v="4704" actId="14100"/>
-        <pc:sldMkLst>
-          <pc:docMk/>
-          <pc:sldMk cId="3784550203" sldId="5160"/>
-        </pc:sldMkLst>
-      </pc:sldChg>
-      <pc:sldChg chg="addSp delSp modSp new mod ord delAnim modAnim">
-        <pc:chgData name="健 翁" userId="bedff36119963aae" providerId="LiveId" clId="{08B412B3-6950-B047-A601-127BCB29394A}" dt="2025-08-06T05:01:48.516" v="7029" actId="478"/>
-        <pc:sldMkLst>
-          <pc:docMk/>
-          <pc:sldMk cId="4237572465" sldId="5161"/>
-        </pc:sldMkLst>
-      </pc:sldChg>
-      <pc:sldChg chg="addSp modSp new mod ord">
-        <pc:chgData name="健 翁" userId="bedff36119963aae" providerId="LiveId" clId="{08B412B3-6950-B047-A601-127BCB29394A}" dt="2025-08-06T05:02:48.242" v="7091" actId="20577"/>
-        <pc:sldMkLst>
-          <pc:docMk/>
-          <pc:sldMk cId="2511327023" sldId="5162"/>
-        </pc:sldMkLst>
-      </pc:sldChg>
-      <pc:sldChg chg="addSp modSp new mod">
-        <pc:chgData name="健 翁" userId="bedff36119963aae" providerId="LiveId" clId="{08B412B3-6950-B047-A601-127BCB29394A}" dt="2025-08-05T03:08:16.524" v="3507" actId="14100"/>
-        <pc:sldMkLst>
-          <pc:docMk/>
-          <pc:sldMk cId="3031663747" sldId="5163"/>
-        </pc:sldMkLst>
-      </pc:sldChg>
-      <pc:sldChg chg="addSp delSp modSp add del mod">
-        <pc:chgData name="健 翁" userId="bedff36119963aae" providerId="LiveId" clId="{08B412B3-6950-B047-A601-127BCB29394A}" dt="2025-08-05T03:39:32.090" v="3554" actId="2696"/>
-        <pc:sldMkLst>
-          <pc:docMk/>
-          <pc:sldMk cId="1197509891" sldId="5164"/>
-        </pc:sldMkLst>
-      </pc:sldChg>
-      <pc:sldChg chg="modSp add mod">
-        <pc:chgData name="健 翁" userId="bedff36119963aae" providerId="LiveId" clId="{08B412B3-6950-B047-A601-127BCB29394A}" dt="2025-08-06T05:03:12.423" v="7093" actId="20577"/>
-        <pc:sldMkLst>
-          <pc:docMk/>
-          <pc:sldMk cId="3650531656" sldId="5164"/>
-        </pc:sldMkLst>
-      </pc:sldChg>
-      <pc:sldChg chg="addSp modSp new mod">
-        <pc:chgData name="健 翁" userId="bedff36119963aae" providerId="LiveId" clId="{08B412B3-6950-B047-A601-127BCB29394A}" dt="2025-08-06T03:21:12.552" v="4752" actId="1076"/>
-        <pc:sldMkLst>
-          <pc:docMk/>
-          <pc:sldMk cId="625746147" sldId="5165"/>
-        </pc:sldMkLst>
-      </pc:sldChg>
-      <pc:sldChg chg="modSp add mod">
-        <pc:chgData name="健 翁" userId="bedff36119963aae" providerId="LiveId" clId="{08B412B3-6950-B047-A601-127BCB29394A}" dt="2025-08-05T14:00:18.188" v="4064" actId="20577"/>
-        <pc:sldMkLst>
-          <pc:docMk/>
-          <pc:sldMk cId="1476950983" sldId="5166"/>
-        </pc:sldMkLst>
-      </pc:sldChg>
-      <pc:sldChg chg="modSp add mod">
-        <pc:chgData name="健 翁" userId="bedff36119963aae" providerId="LiveId" clId="{08B412B3-6950-B047-A601-127BCB29394A}" dt="2025-08-06T03:18:44.690" v="4751" actId="1076"/>
-        <pc:sldMkLst>
-          <pc:docMk/>
-          <pc:sldMk cId="3340493644" sldId="5167"/>
-        </pc:sldMkLst>
-      </pc:sldChg>
-      <pc:sldChg chg="modSp new mod">
-        <pc:chgData name="健 翁" userId="bedff36119963aae" providerId="LiveId" clId="{08B412B3-6950-B047-A601-127BCB29394A}" dt="2025-08-06T05:02:08.827" v="7030" actId="1076"/>
-        <pc:sldMkLst>
-          <pc:docMk/>
-          <pc:sldMk cId="505726437" sldId="5168"/>
-        </pc:sldMkLst>
-      </pc:sldChg>
-      <pc:sldChg chg="addSp modSp new mod modAnim">
-        <pc:chgData name="健 翁" userId="bedff36119963aae" providerId="LiveId" clId="{08B412B3-6950-B047-A601-127BCB29394A}" dt="2025-08-06T03:22:40.933" v="4832" actId="1076"/>
-        <pc:sldMkLst>
-          <pc:docMk/>
-          <pc:sldMk cId="607062947" sldId="5169"/>
-        </pc:sldMkLst>
-      </pc:sldChg>
-      <pc:sldChg chg="modSp add mod">
-        <pc:chgData name="健 翁" userId="bedff36119963aae" providerId="LiveId" clId="{08B412B3-6950-B047-A601-127BCB29394A}" dt="2025-08-06T05:04:01.671" v="7133" actId="20577"/>
-        <pc:sldMkLst>
-          <pc:docMk/>
-          <pc:sldMk cId="1764225062" sldId="5170"/>
-        </pc:sldMkLst>
-      </pc:sldChg>
-      <pc:sldChg chg="new del">
-        <pc:chgData name="健 翁" userId="bedff36119963aae" providerId="LiveId" clId="{08B412B3-6950-B047-A601-127BCB29394A}" dt="2025-08-06T03:26:51.102" v="5090" actId="2696"/>
-        <pc:sldMkLst>
-          <pc:docMk/>
-          <pc:sldMk cId="1683209854" sldId="5171"/>
-        </pc:sldMkLst>
-      </pc:sldChg>
-      <pc:sldChg chg="addSp modSp new mod">
-        <pc:chgData name="健 翁" userId="bedff36119963aae" providerId="LiveId" clId="{08B412B3-6950-B047-A601-127BCB29394A}" dt="2025-08-06T04:24:26.182" v="6277" actId="403"/>
-        <pc:sldMkLst>
-          <pc:docMk/>
-          <pc:sldMk cId="1888207183" sldId="5171"/>
-        </pc:sldMkLst>
-      </pc:sldChg>
-      <pc:sldChg chg="delSp modSp add mod">
-        <pc:chgData name="健 翁" userId="bedff36119963aae" providerId="LiveId" clId="{08B412B3-6950-B047-A601-127BCB29394A}" dt="2025-08-07T06:50:02.420" v="10821" actId="20577"/>
-        <pc:sldMkLst>
-          <pc:docMk/>
-          <pc:sldMk cId="2178140779" sldId="5172"/>
-        </pc:sldMkLst>
-      </pc:sldChg>
-      <pc:sldChg chg="addSp delSp modSp add del mod">
-        <pc:chgData name="健 翁" userId="bedff36119963aae" providerId="LiveId" clId="{08B412B3-6950-B047-A601-127BCB29394A}" dt="2025-08-06T03:27:16.854" v="5103" actId="2696"/>
-        <pc:sldMkLst>
-          <pc:docMk/>
-          <pc:sldMk cId="3233836676" sldId="5172"/>
-        </pc:sldMkLst>
-      </pc:sldChg>
-      <pc:sldChg chg="addSp delSp modSp new mod">
-        <pc:chgData name="健 翁" userId="bedff36119963aae" providerId="LiveId" clId="{08B412B3-6950-B047-A601-127BCB29394A}" dt="2025-08-06T05:00:50.243" v="6987"/>
-        <pc:sldMkLst>
-          <pc:docMk/>
-          <pc:sldMk cId="3227240976" sldId="5173"/>
-        </pc:sldMkLst>
-      </pc:sldChg>
-      <pc:sldChg chg="modSp add mod">
-        <pc:chgData name="健 翁" userId="bedff36119963aae" providerId="LiveId" clId="{08B412B3-6950-B047-A601-127BCB29394A}" dt="2025-08-06T05:01:34.936" v="7028" actId="14100"/>
-        <pc:sldMkLst>
-          <pc:docMk/>
-          <pc:sldMk cId="2192112431" sldId="5174"/>
-        </pc:sldMkLst>
-      </pc:sldChg>
-      <pc:sldChg chg="modSp new mod">
-        <pc:chgData name="健 翁" userId="bedff36119963aae" providerId="LiveId" clId="{08B412B3-6950-B047-A601-127BCB29394A}" dt="2025-08-06T05:07:33.215" v="7460" actId="20577"/>
-        <pc:sldMkLst>
-          <pc:docMk/>
-          <pc:sldMk cId="3155255328" sldId="5175"/>
-        </pc:sldMkLst>
-      </pc:sldChg>
-      <pc:sldChg chg="addSp modSp new mod modAnim">
-        <pc:chgData name="健 翁" userId="bedff36119963aae" providerId="LiveId" clId="{08B412B3-6950-B047-A601-127BCB29394A}" dt="2025-08-06T05:09:40.112" v="7744" actId="1076"/>
-        <pc:sldMkLst>
-          <pc:docMk/>
-          <pc:sldMk cId="2700265280" sldId="5176"/>
-        </pc:sldMkLst>
-      </pc:sldChg>
-      <pc:sldChg chg="addSp modSp new mod">
-        <pc:chgData name="健 翁" userId="bedff36119963aae" providerId="LiveId" clId="{08B412B3-6950-B047-A601-127BCB29394A}" dt="2025-08-06T10:26:00.028" v="9165" actId="1076"/>
-        <pc:sldMkLst>
-          <pc:docMk/>
-          <pc:sldMk cId="1369975596" sldId="5177"/>
-        </pc:sldMkLst>
-      </pc:sldChg>
-      <pc:sldChg chg="addSp delSp modSp new mod">
-        <pc:chgData name="健 翁" userId="bedff36119963aae" providerId="LiveId" clId="{08B412B3-6950-B047-A601-127BCB29394A}" dt="2025-08-06T09:46:44.702" v="8516" actId="21"/>
-        <pc:sldMkLst>
-          <pc:docMk/>
-          <pc:sldMk cId="2021351070" sldId="5178"/>
-        </pc:sldMkLst>
-      </pc:sldChg>
-      <pc:sldChg chg="addSp delSp modSp new mod">
-        <pc:chgData name="健 翁" userId="bedff36119963aae" providerId="LiveId" clId="{08B412B3-6950-B047-A601-127BCB29394A}" dt="2025-08-06T09:57:46.796" v="8709" actId="1076"/>
-        <pc:sldMkLst>
-          <pc:docMk/>
-          <pc:sldMk cId="548558845" sldId="5179"/>
-        </pc:sldMkLst>
-      </pc:sldChg>
-      <pc:sldChg chg="modSp add mod">
-        <pc:chgData name="健 翁" userId="bedff36119963aae" providerId="LiveId" clId="{08B412B3-6950-B047-A601-127BCB29394A}" dt="2025-08-06T10:02:42.838" v="8844" actId="20577"/>
-        <pc:sldMkLst>
-          <pc:docMk/>
-          <pc:sldMk cId="85761837" sldId="5180"/>
-        </pc:sldMkLst>
-      </pc:sldChg>
-      <pc:sldChg chg="delSp modSp add mod">
-        <pc:chgData name="健 翁" userId="bedff36119963aae" providerId="LiveId" clId="{08B412B3-6950-B047-A601-127BCB29394A}" dt="2025-08-06T10:20:25.044" v="9039" actId="1076"/>
-        <pc:sldMkLst>
-          <pc:docMk/>
-          <pc:sldMk cId="1167676827" sldId="5181"/>
-        </pc:sldMkLst>
-      </pc:sldChg>
-      <pc:sldChg chg="modSp add mod">
-        <pc:chgData name="健 翁" userId="bedff36119963aae" providerId="LiveId" clId="{08B412B3-6950-B047-A601-127BCB29394A}" dt="2025-08-06T10:25:52.520" v="9164" actId="313"/>
-        <pc:sldMkLst>
-          <pc:docMk/>
-          <pc:sldMk cId="1057228888" sldId="5182"/>
-        </pc:sldMkLst>
-      </pc:sldChg>
-      <pc:sldChg chg="addSp delSp modSp new mod">
-        <pc:chgData name="健 翁" userId="bedff36119963aae" providerId="LiveId" clId="{08B412B3-6950-B047-A601-127BCB29394A}" dt="2025-08-06T10:42:29.469" v="9477" actId="20577"/>
-        <pc:sldMkLst>
-          <pc:docMk/>
-          <pc:sldMk cId="3258293308" sldId="5183"/>
-        </pc:sldMkLst>
-      </pc:sldChg>
-      <pc:sldChg chg="modSp add mod ord">
-        <pc:chgData name="健 翁" userId="bedff36119963aae" providerId="LiveId" clId="{08B412B3-6950-B047-A601-127BCB29394A}" dt="2025-08-06T10:45:43.559" v="9518" actId="20578"/>
-        <pc:sldMkLst>
-          <pc:docMk/>
-          <pc:sldMk cId="2682485562" sldId="5184"/>
-        </pc:sldMkLst>
-      </pc:sldChg>
-      <pc:sldChg chg="addSp delSp modSp add mod">
-        <pc:chgData name="健 翁" userId="bedff36119963aae" providerId="LiveId" clId="{08B412B3-6950-B047-A601-127BCB29394A}" dt="2025-08-06T10:43:13.010" v="9512" actId="20577"/>
-        <pc:sldMkLst>
-          <pc:docMk/>
-          <pc:sldMk cId="616705893" sldId="5185"/>
-        </pc:sldMkLst>
-      </pc:sldChg>
-      <pc:sldChg chg="addSp delSp modSp add mod">
-        <pc:chgData name="健 翁" userId="bedff36119963aae" providerId="LiveId" clId="{08B412B3-6950-B047-A601-127BCB29394A}" dt="2025-08-06T10:44:01.852" v="9516" actId="1076"/>
-        <pc:sldMkLst>
-          <pc:docMk/>
-          <pc:sldMk cId="2050012229" sldId="5186"/>
-        </pc:sldMkLst>
-      </pc:sldChg>
-      <pc:sldChg chg="addSp modSp new mod ord">
-        <pc:chgData name="健 翁" userId="bedff36119963aae" providerId="LiveId" clId="{08B412B3-6950-B047-A601-127BCB29394A}" dt="2025-08-06T11:02:58.722" v="10306" actId="20578"/>
-        <pc:sldMkLst>
-          <pc:docMk/>
-          <pc:sldMk cId="3176419095" sldId="5187"/>
-        </pc:sldMkLst>
-      </pc:sldChg>
-      <pc:sldChg chg="modSp new mod">
-        <pc:chgData name="健 翁" userId="bedff36119963aae" providerId="LiveId" clId="{08B412B3-6950-B047-A601-127BCB29394A}" dt="2025-08-06T10:53:59.205" v="9798" actId="2711"/>
-        <pc:sldMkLst>
-          <pc:docMk/>
-          <pc:sldMk cId="1610828081" sldId="5188"/>
-        </pc:sldMkLst>
-      </pc:sldChg>
-      <pc:sldChg chg="addSp delSp modSp new mod">
-        <pc:chgData name="健 翁" userId="bedff36119963aae" providerId="LiveId" clId="{08B412B3-6950-B047-A601-127BCB29394A}" dt="2025-08-06T10:59:59.276" v="10056" actId="692"/>
-        <pc:sldMkLst>
-          <pc:docMk/>
-          <pc:sldMk cId="650690872" sldId="5189"/>
-        </pc:sldMkLst>
-      </pc:sldChg>
-      <pc:sldChg chg="addSp delSp modSp new mod">
-        <pc:chgData name="健 翁" userId="bedff36119963aae" providerId="LiveId" clId="{08B412B3-6950-B047-A601-127BCB29394A}" dt="2025-08-06T11:02:48.134" v="10303" actId="1076"/>
-        <pc:sldMkLst>
-          <pc:docMk/>
-          <pc:sldMk cId="1355651249" sldId="5190"/>
-        </pc:sldMkLst>
-      </pc:sldChg>
-      <pc:sldChg chg="addSp modSp new mod">
-        <pc:chgData name="健 翁" userId="bedff36119963aae" providerId="LiveId" clId="{08B412B3-6950-B047-A601-127BCB29394A}" dt="2025-08-06T11:05:59.076" v="10547" actId="20577"/>
-        <pc:sldMkLst>
-          <pc:docMk/>
-          <pc:sldMk cId="57887080" sldId="5191"/>
-        </pc:sldMkLst>
-      </pc:sldChg>
-      <pc:sldChg chg="modSp new del mod">
-        <pc:chgData name="健 翁" userId="bedff36119963aae" providerId="LiveId" clId="{08B412B3-6950-B047-A601-127BCB29394A}" dt="2025-08-06T11:27:04.448" v="10553" actId="2696"/>
-        <pc:sldMkLst>
-          <pc:docMk/>
-          <pc:sldMk cId="3007003357" sldId="5192"/>
-        </pc:sldMkLst>
-      </pc:sldChg>
-      <pc:sldChg chg="addSp modSp new mod">
-        <pc:chgData name="健 翁" userId="bedff36119963aae" providerId="LiveId" clId="{08B412B3-6950-B047-A601-127BCB29394A}" dt="2025-08-07T02:54:37.917" v="10813" actId="1076"/>
-        <pc:sldMkLst>
-          <pc:docMk/>
-          <pc:sldMk cId="3790440056" sldId="5192"/>
-        </pc:sldMkLst>
-      </pc:sldChg>
     </pc:docChg>
   </pc:docChgLst>
   <pc:docChgLst>
@@ -4507,6 +3662,852 @@
     </pc:docChg>
   </pc:docChgLst>
   <pc:docChgLst>
+    <pc:chgData name="健 翁" userId="bedff36119963aae" providerId="LiveId" clId="{B988CD94-6A36-0C46-B7AD-D7691F6E276F}"/>
+    <pc:docChg chg="undo custSel addSld delSld modSld sldOrd modMainMaster">
+      <pc:chgData name="健 翁" userId="bedff36119963aae" providerId="LiveId" clId="{B988CD94-6A36-0C46-B7AD-D7691F6E276F}" dt="2025-08-04T07:51:23.823" v="5476" actId="20577"/>
+      <pc:docMkLst>
+        <pc:docMk/>
+      </pc:docMkLst>
+      <pc:sldChg chg="addSp modSp mod">
+        <pc:chgData name="健 翁" userId="bedff36119963aae" providerId="LiveId" clId="{B988CD94-6A36-0C46-B7AD-D7691F6E276F}" dt="2025-08-04T07:51:23.823" v="5476" actId="20577"/>
+        <pc:sldMkLst>
+          <pc:docMk/>
+          <pc:sldMk cId="2548739364" sldId="256"/>
+        </pc:sldMkLst>
+      </pc:sldChg>
+      <pc:sldChg chg="addSp delSp modSp mod">
+        <pc:chgData name="健 翁" userId="bedff36119963aae" providerId="LiveId" clId="{B988CD94-6A36-0C46-B7AD-D7691F6E276F}" dt="2025-08-04T02:40:40.497" v="641" actId="20577"/>
+        <pc:sldMkLst>
+          <pc:docMk/>
+          <pc:sldMk cId="39619622" sldId="257"/>
+        </pc:sldMkLst>
+      </pc:sldChg>
+      <pc:sldChg chg="addSp modSp new mod">
+        <pc:chgData name="健 翁" userId="bedff36119963aae" providerId="LiveId" clId="{B988CD94-6A36-0C46-B7AD-D7691F6E276F}" dt="2025-08-04T04:38:18.734" v="1602" actId="20577"/>
+        <pc:sldMkLst>
+          <pc:docMk/>
+          <pc:sldMk cId="1848312201" sldId="258"/>
+        </pc:sldMkLst>
+      </pc:sldChg>
+      <pc:sldChg chg="modSp new del mod">
+        <pc:chgData name="健 翁" userId="bedff36119963aae" providerId="LiveId" clId="{B988CD94-6A36-0C46-B7AD-D7691F6E276F}" dt="2025-08-03T00:53:12.395" v="310" actId="2696"/>
+        <pc:sldMkLst>
+          <pc:docMk/>
+          <pc:sldMk cId="2636151822" sldId="259"/>
+        </pc:sldMkLst>
+      </pc:sldChg>
+      <pc:sldChg chg="delSp modSp add mod">
+        <pc:chgData name="健 翁" userId="bedff36119963aae" providerId="LiveId" clId="{B988CD94-6A36-0C46-B7AD-D7691F6E276F}" dt="2025-08-03T00:56:31.456" v="344" actId="478"/>
+        <pc:sldMkLst>
+          <pc:docMk/>
+          <pc:sldMk cId="529651272" sldId="264"/>
+        </pc:sldMkLst>
+      </pc:sldChg>
+      <pc:sldChg chg="delSp modSp add mod">
+        <pc:chgData name="健 翁" userId="bedff36119963aae" providerId="LiveId" clId="{B988CD94-6A36-0C46-B7AD-D7691F6E276F}" dt="2025-08-04T02:32:09.206" v="413" actId="20577"/>
+        <pc:sldMkLst>
+          <pc:docMk/>
+          <pc:sldMk cId="1136956135" sldId="265"/>
+        </pc:sldMkLst>
+      </pc:sldChg>
+      <pc:sldChg chg="delSp modSp add mod ord">
+        <pc:chgData name="健 翁" userId="bedff36119963aae" providerId="LiveId" clId="{B988CD94-6A36-0C46-B7AD-D7691F6E276F}" dt="2025-08-04T02:32:34.453" v="418" actId="20578"/>
+        <pc:sldMkLst>
+          <pc:docMk/>
+          <pc:sldMk cId="2383272540" sldId="266"/>
+        </pc:sldMkLst>
+      </pc:sldChg>
+      <pc:sldChg chg="delSp add">
+        <pc:chgData name="健 翁" userId="bedff36119963aae" providerId="LiveId" clId="{B988CD94-6A36-0C46-B7AD-D7691F6E276F}" dt="2025-08-03T01:00:12.155" v="358"/>
+        <pc:sldMkLst>
+          <pc:docMk/>
+          <pc:sldMk cId="2058716841" sldId="267"/>
+        </pc:sldMkLst>
+      </pc:sldChg>
+      <pc:sldChg chg="delSp modSp add mod">
+        <pc:chgData name="健 翁" userId="bedff36119963aae" providerId="LiveId" clId="{B988CD94-6A36-0C46-B7AD-D7691F6E276F}" dt="2025-08-04T02:41:33.608" v="653" actId="478"/>
+        <pc:sldMkLst>
+          <pc:docMk/>
+          <pc:sldMk cId="2840851764" sldId="268"/>
+        </pc:sldMkLst>
+      </pc:sldChg>
+      <pc:sldChg chg="delSp add mod">
+        <pc:chgData name="健 翁" userId="bedff36119963aae" providerId="LiveId" clId="{B988CD94-6A36-0C46-B7AD-D7691F6E276F}" dt="2025-08-04T02:41:13.486" v="646" actId="478"/>
+        <pc:sldMkLst>
+          <pc:docMk/>
+          <pc:sldMk cId="3003769764" sldId="269"/>
+        </pc:sldMkLst>
+      </pc:sldChg>
+      <pc:sldChg chg="delSp modSp add mod ord">
+        <pc:chgData name="健 翁" userId="bedff36119963aae" providerId="LiveId" clId="{B988CD94-6A36-0C46-B7AD-D7691F6E276F}" dt="2025-08-04T02:32:34.453" v="418" actId="20578"/>
+        <pc:sldMkLst>
+          <pc:docMk/>
+          <pc:sldMk cId="1446956432" sldId="270"/>
+        </pc:sldMkLst>
+      </pc:sldChg>
+      <pc:sldChg chg="delSp add ord">
+        <pc:chgData name="健 翁" userId="bedff36119963aae" providerId="LiveId" clId="{B988CD94-6A36-0C46-B7AD-D7691F6E276F}" dt="2025-08-04T02:32:34.453" v="418" actId="20578"/>
+        <pc:sldMkLst>
+          <pc:docMk/>
+          <pc:sldMk cId="1410791842" sldId="271"/>
+        </pc:sldMkLst>
+      </pc:sldChg>
+      <pc:sldChg chg="delSp add ord">
+        <pc:chgData name="健 翁" userId="bedff36119963aae" providerId="LiveId" clId="{B988CD94-6A36-0C46-B7AD-D7691F6E276F}" dt="2025-08-04T02:32:34.453" v="418" actId="20578"/>
+        <pc:sldMkLst>
+          <pc:docMk/>
+          <pc:sldMk cId="1407638139" sldId="272"/>
+        </pc:sldMkLst>
+      </pc:sldChg>
+      <pc:sldChg chg="delSp modSp add ord">
+        <pc:chgData name="健 翁" userId="bedff36119963aae" providerId="LiveId" clId="{B988CD94-6A36-0C46-B7AD-D7691F6E276F}" dt="2025-08-04T02:32:34.453" v="418" actId="20578"/>
+        <pc:sldMkLst>
+          <pc:docMk/>
+          <pc:sldMk cId="3520861295" sldId="273"/>
+        </pc:sldMkLst>
+      </pc:sldChg>
+      <pc:sldChg chg="delSp add mod">
+        <pc:chgData name="健 翁" userId="bedff36119963aae" providerId="LiveId" clId="{B988CD94-6A36-0C46-B7AD-D7691F6E276F}" dt="2025-08-04T02:41:30.743" v="652" actId="478"/>
+        <pc:sldMkLst>
+          <pc:docMk/>
+          <pc:sldMk cId="901369015" sldId="274"/>
+        </pc:sldMkLst>
+      </pc:sldChg>
+      <pc:sldChg chg="delSp add mod">
+        <pc:chgData name="健 翁" userId="bedff36119963aae" providerId="LiveId" clId="{B988CD94-6A36-0C46-B7AD-D7691F6E276F}" dt="2025-08-04T02:41:18.409" v="648" actId="478"/>
+        <pc:sldMkLst>
+          <pc:docMk/>
+          <pc:sldMk cId="2423072054" sldId="275"/>
+        </pc:sldMkLst>
+      </pc:sldChg>
+      <pc:sldChg chg="delSp modSp add mod modAnim">
+        <pc:chgData name="健 翁" userId="bedff36119963aae" providerId="LiveId" clId="{B988CD94-6A36-0C46-B7AD-D7691F6E276F}" dt="2025-08-04T05:07:12.025" v="2511" actId="20577"/>
+        <pc:sldMkLst>
+          <pc:docMk/>
+          <pc:sldMk cId="3787905203" sldId="276"/>
+        </pc:sldMkLst>
+      </pc:sldChg>
+      <pc:sldChg chg="delSp add mod">
+        <pc:chgData name="健 翁" userId="bedff36119963aae" providerId="LiveId" clId="{B988CD94-6A36-0C46-B7AD-D7691F6E276F}" dt="2025-08-04T02:41:08.865" v="645" actId="478"/>
+        <pc:sldMkLst>
+          <pc:docMk/>
+          <pc:sldMk cId="985243841" sldId="278"/>
+        </pc:sldMkLst>
+      </pc:sldChg>
+      <pc:sldChg chg="delSp add mod">
+        <pc:chgData name="健 翁" userId="bedff36119963aae" providerId="LiveId" clId="{B988CD94-6A36-0C46-B7AD-D7691F6E276F}" dt="2025-08-04T02:41:01.699" v="642" actId="478"/>
+        <pc:sldMkLst>
+          <pc:docMk/>
+          <pc:sldMk cId="1508513941" sldId="279"/>
+        </pc:sldMkLst>
+      </pc:sldChg>
+      <pc:sldChg chg="delSp add ord">
+        <pc:chgData name="健 翁" userId="bedff36119963aae" providerId="LiveId" clId="{B988CD94-6A36-0C46-B7AD-D7691F6E276F}" dt="2025-08-04T02:32:34.453" v="418" actId="20578"/>
+        <pc:sldMkLst>
+          <pc:docMk/>
+          <pc:sldMk cId="4251472805" sldId="280"/>
+        </pc:sldMkLst>
+      </pc:sldChg>
+      <pc:sldChg chg="delSp add ord">
+        <pc:chgData name="健 翁" userId="bedff36119963aae" providerId="LiveId" clId="{B988CD94-6A36-0C46-B7AD-D7691F6E276F}" dt="2025-08-04T02:35:14.603" v="473" actId="20578"/>
+        <pc:sldMkLst>
+          <pc:docMk/>
+          <pc:sldMk cId="664028524" sldId="281"/>
+        </pc:sldMkLst>
+      </pc:sldChg>
+      <pc:sldChg chg="delSp add mod">
+        <pc:chgData name="健 翁" userId="bedff36119963aae" providerId="LiveId" clId="{B988CD94-6A36-0C46-B7AD-D7691F6E276F}" dt="2025-08-04T02:41:23.244" v="649" actId="478"/>
+        <pc:sldMkLst>
+          <pc:docMk/>
+          <pc:sldMk cId="24751905" sldId="282"/>
+        </pc:sldMkLst>
+      </pc:sldChg>
+      <pc:sldChg chg="delSp modSp add mod ord">
+        <pc:chgData name="健 翁" userId="bedff36119963aae" providerId="LiveId" clId="{B988CD94-6A36-0C46-B7AD-D7691F6E276F}" dt="2025-08-04T02:34:31.205" v="471" actId="20577"/>
+        <pc:sldMkLst>
+          <pc:docMk/>
+          <pc:sldMk cId="962886785" sldId="284"/>
+        </pc:sldMkLst>
+      </pc:sldChg>
+      <pc:sldChg chg="new del">
+        <pc:chgData name="健 翁" userId="bedff36119963aae" providerId="LiveId" clId="{B988CD94-6A36-0C46-B7AD-D7691F6E276F}" dt="2025-08-03T00:58:49.893" v="357" actId="2696"/>
+        <pc:sldMkLst>
+          <pc:docMk/>
+          <pc:sldMk cId="3534078777" sldId="285"/>
+        </pc:sldMkLst>
+      </pc:sldChg>
+      <pc:sldChg chg="delSp add mod">
+        <pc:chgData name="健 翁" userId="bedff36119963aae" providerId="LiveId" clId="{B988CD94-6A36-0C46-B7AD-D7691F6E276F}" dt="2025-08-04T02:41:37.321" v="654" actId="478"/>
+        <pc:sldMkLst>
+          <pc:docMk/>
+          <pc:sldMk cId="4242384790" sldId="285"/>
+        </pc:sldMkLst>
+      </pc:sldChg>
+      <pc:sldChg chg="modSp add mod">
+        <pc:chgData name="健 翁" userId="bedff36119963aae" providerId="LiveId" clId="{B988CD94-6A36-0C46-B7AD-D7691F6E276F}" dt="2025-08-04T05:06:45.652" v="2510" actId="20577"/>
+        <pc:sldMkLst>
+          <pc:docMk/>
+          <pc:sldMk cId="2983435651" sldId="286"/>
+        </pc:sldMkLst>
+      </pc:sldChg>
+      <pc:sldChg chg="modSp add mod ord">
+        <pc:chgData name="健 翁" userId="bedff36119963aae" providerId="LiveId" clId="{B988CD94-6A36-0C46-B7AD-D7691F6E276F}" dt="2025-08-04T05:50:20.260" v="4009" actId="20578"/>
+        <pc:sldMkLst>
+          <pc:docMk/>
+          <pc:sldMk cId="818084614" sldId="338"/>
+        </pc:sldMkLst>
+      </pc:sldChg>
+      <pc:sldChg chg="delSp add mod">
+        <pc:chgData name="健 翁" userId="bedff36119963aae" providerId="LiveId" clId="{B988CD94-6A36-0C46-B7AD-D7691F6E276F}" dt="2025-08-04T02:41:16.306" v="647" actId="478"/>
+        <pc:sldMkLst>
+          <pc:docMk/>
+          <pc:sldMk cId="4187049504" sldId="399"/>
+        </pc:sldMkLst>
+      </pc:sldChg>
+      <pc:sldChg chg="delSp modSp add mod">
+        <pc:chgData name="健 翁" userId="bedff36119963aae" providerId="LiveId" clId="{B988CD94-6A36-0C46-B7AD-D7691F6E276F}" dt="2025-08-04T02:41:05.406" v="644" actId="478"/>
+        <pc:sldMkLst>
+          <pc:docMk/>
+          <pc:sldMk cId="1234008100" sldId="400"/>
+        </pc:sldMkLst>
+      </pc:sldChg>
+      <pc:sldChg chg="add">
+        <pc:chgData name="健 翁" userId="bedff36119963aae" providerId="LiveId" clId="{B988CD94-6A36-0C46-B7AD-D7691F6E276F}" dt="2025-08-04T02:42:21.948" v="655"/>
+        <pc:sldMkLst>
+          <pc:docMk/>
+          <pc:sldMk cId="3543951974" sldId="401"/>
+        </pc:sldMkLst>
+      </pc:sldChg>
+      <pc:sldChg chg="modSp add mod">
+        <pc:chgData name="健 翁" userId="bedff36119963aae" providerId="LiveId" clId="{B988CD94-6A36-0C46-B7AD-D7691F6E276F}" dt="2025-08-04T02:42:35.470" v="656" actId="14100"/>
+        <pc:sldMkLst>
+          <pc:docMk/>
+          <pc:sldMk cId="1666367455" sldId="451"/>
+        </pc:sldMkLst>
+      </pc:sldChg>
+      <pc:sldChg chg="modSp new del mod">
+        <pc:chgData name="健 翁" userId="bedff36119963aae" providerId="LiveId" clId="{B988CD94-6A36-0C46-B7AD-D7691F6E276F}" dt="2025-08-04T03:31:29.976" v="716" actId="2696"/>
+        <pc:sldMkLst>
+          <pc:docMk/>
+          <pc:sldMk cId="1797935910" sldId="452"/>
+        </pc:sldMkLst>
+      </pc:sldChg>
+      <pc:sldChg chg="addSp delSp modSp new mod">
+        <pc:chgData name="健 翁" userId="bedff36119963aae" providerId="LiveId" clId="{B988CD94-6A36-0C46-B7AD-D7691F6E276F}" dt="2025-08-04T03:47:19.823" v="812" actId="20577"/>
+        <pc:sldMkLst>
+          <pc:docMk/>
+          <pc:sldMk cId="2653077803" sldId="452"/>
+        </pc:sldMkLst>
+      </pc:sldChg>
+      <pc:sldChg chg="addSp modSp new mod ord">
+        <pc:chgData name="健 翁" userId="bedff36119963aae" providerId="LiveId" clId="{B988CD94-6A36-0C46-B7AD-D7691F6E276F}" dt="2025-08-04T05:42:23.268" v="3762" actId="20578"/>
+        <pc:sldMkLst>
+          <pc:docMk/>
+          <pc:sldMk cId="3876501101" sldId="453"/>
+        </pc:sldMkLst>
+      </pc:sldChg>
+      <pc:sldChg chg="modSp new mod">
+        <pc:chgData name="健 翁" userId="bedff36119963aae" providerId="LiveId" clId="{B988CD94-6A36-0C46-B7AD-D7691F6E276F}" dt="2025-08-04T03:56:55.195" v="1356" actId="20577"/>
+        <pc:sldMkLst>
+          <pc:docMk/>
+          <pc:sldMk cId="3582185647" sldId="454"/>
+        </pc:sldMkLst>
+      </pc:sldChg>
+      <pc:sldChg chg="modSp new mod">
+        <pc:chgData name="健 翁" userId="bedff36119963aae" providerId="LiveId" clId="{B988CD94-6A36-0C46-B7AD-D7691F6E276F}" dt="2025-08-04T05:51:12.060" v="4091" actId="20577"/>
+        <pc:sldMkLst>
+          <pc:docMk/>
+          <pc:sldMk cId="1761221459" sldId="455"/>
+        </pc:sldMkLst>
+      </pc:sldChg>
+      <pc:sldChg chg="addSp modSp new mod">
+        <pc:chgData name="健 翁" userId="bedff36119963aae" providerId="LiveId" clId="{B988CD94-6A36-0C46-B7AD-D7691F6E276F}" dt="2025-08-04T04:43:27.335" v="1732" actId="1036"/>
+        <pc:sldMkLst>
+          <pc:docMk/>
+          <pc:sldMk cId="4243396593" sldId="456"/>
+        </pc:sldMkLst>
+      </pc:sldChg>
+      <pc:sldChg chg="addSp modSp new mod">
+        <pc:chgData name="健 翁" userId="bedff36119963aae" providerId="LiveId" clId="{B988CD94-6A36-0C46-B7AD-D7691F6E276F}" dt="2025-08-04T04:45:04.953" v="1873" actId="1076"/>
+        <pc:sldMkLst>
+          <pc:docMk/>
+          <pc:sldMk cId="3412293748" sldId="457"/>
+        </pc:sldMkLst>
+      </pc:sldChg>
+      <pc:sldChg chg="addSp delSp modSp add mod modAnim">
+        <pc:chgData name="健 翁" userId="bedff36119963aae" providerId="LiveId" clId="{B988CD94-6A36-0C46-B7AD-D7691F6E276F}" dt="2025-08-04T04:47:16.451" v="1946" actId="14100"/>
+        <pc:sldMkLst>
+          <pc:docMk/>
+          <pc:sldMk cId="2346065916" sldId="458"/>
+        </pc:sldMkLst>
+      </pc:sldChg>
+      <pc:sldChg chg="addSp delSp modSp add mod modAnim">
+        <pc:chgData name="健 翁" userId="bedff36119963aae" providerId="LiveId" clId="{B988CD94-6A36-0C46-B7AD-D7691F6E276F}" dt="2025-08-04T05:03:53.844" v="2456" actId="692"/>
+        <pc:sldMkLst>
+          <pc:docMk/>
+          <pc:sldMk cId="2113921390" sldId="459"/>
+        </pc:sldMkLst>
+      </pc:sldChg>
+      <pc:sldChg chg="addSp delSp modSp add mod">
+        <pc:chgData name="健 翁" userId="bedff36119963aae" providerId="LiveId" clId="{B988CD94-6A36-0C46-B7AD-D7691F6E276F}" dt="2025-08-04T05:03:43.936" v="2454" actId="1076"/>
+        <pc:sldMkLst>
+          <pc:docMk/>
+          <pc:sldMk cId="2987208636" sldId="460"/>
+        </pc:sldMkLst>
+      </pc:sldChg>
+      <pc:sldChg chg="add modAnim">
+        <pc:chgData name="健 翁" userId="bedff36119963aae" providerId="LiveId" clId="{B988CD94-6A36-0C46-B7AD-D7691F6E276F}" dt="2025-08-04T05:07:29.904" v="2512"/>
+        <pc:sldMkLst>
+          <pc:docMk/>
+          <pc:sldMk cId="3735277948" sldId="461"/>
+        </pc:sldMkLst>
+      </pc:sldChg>
+      <pc:sldChg chg="addSp delSp modSp new mod modAnim">
+        <pc:chgData name="健 翁" userId="bedff36119963aae" providerId="LiveId" clId="{B988CD94-6A36-0C46-B7AD-D7691F6E276F}" dt="2025-08-04T05:10:53.063" v="2591" actId="1076"/>
+        <pc:sldMkLst>
+          <pc:docMk/>
+          <pc:sldMk cId="1553765207" sldId="462"/>
+        </pc:sldMkLst>
+      </pc:sldChg>
+      <pc:sldChg chg="addSp delSp modSp new mod ord">
+        <pc:chgData name="健 翁" userId="bedff36119963aae" providerId="LiveId" clId="{B988CD94-6A36-0C46-B7AD-D7691F6E276F}" dt="2025-08-04T05:43:11.126" v="3770" actId="207"/>
+        <pc:sldMkLst>
+          <pc:docMk/>
+          <pc:sldMk cId="2421151906" sldId="463"/>
+        </pc:sldMkLst>
+      </pc:sldChg>
+      <pc:sldChg chg="addSp modSp add mod modAnim">
+        <pc:chgData name="健 翁" userId="bedff36119963aae" providerId="LiveId" clId="{B988CD94-6A36-0C46-B7AD-D7691F6E276F}" dt="2025-08-04T05:43:24.715" v="3772" actId="207"/>
+        <pc:sldMkLst>
+          <pc:docMk/>
+          <pc:sldMk cId="2837117164" sldId="464"/>
+        </pc:sldMkLst>
+      </pc:sldChg>
+      <pc:sldChg chg="addSp modSp add mod">
+        <pc:chgData name="健 翁" userId="bedff36119963aae" providerId="LiveId" clId="{B988CD94-6A36-0C46-B7AD-D7691F6E276F}" dt="2025-08-04T05:56:13.947" v="4096" actId="14100"/>
+        <pc:sldMkLst>
+          <pc:docMk/>
+          <pc:sldMk cId="11088245" sldId="465"/>
+        </pc:sldMkLst>
+      </pc:sldChg>
+      <pc:sldChg chg="addSp delSp modSp add mod">
+        <pc:chgData name="健 翁" userId="bedff36119963aae" providerId="LiveId" clId="{B988CD94-6A36-0C46-B7AD-D7691F6E276F}" dt="2025-08-04T05:42:03.360" v="3761" actId="1036"/>
+        <pc:sldMkLst>
+          <pc:docMk/>
+          <pc:sldMk cId="3164274366" sldId="466"/>
+        </pc:sldMkLst>
+      </pc:sldChg>
+      <pc:sldChg chg="addSp modSp add mod">
+        <pc:chgData name="健 翁" userId="bedff36119963aae" providerId="LiveId" clId="{B988CD94-6A36-0C46-B7AD-D7691F6E276F}" dt="2025-08-04T05:36:12.012" v="3531" actId="692"/>
+        <pc:sldMkLst>
+          <pc:docMk/>
+          <pc:sldMk cId="512119681" sldId="467"/>
+        </pc:sldMkLst>
+      </pc:sldChg>
+      <pc:sldChg chg="addSp modSp new mod">
+        <pc:chgData name="健 翁" userId="bedff36119963aae" providerId="LiveId" clId="{B988CD94-6A36-0C46-B7AD-D7691F6E276F}" dt="2025-08-04T05:43:57.894" v="3812" actId="20577"/>
+        <pc:sldMkLst>
+          <pc:docMk/>
+          <pc:sldMk cId="166049381" sldId="468"/>
+        </pc:sldMkLst>
+      </pc:sldChg>
+      <pc:sldChg chg="delSp modSp add mod">
+        <pc:chgData name="健 翁" userId="bedff36119963aae" providerId="LiveId" clId="{B988CD94-6A36-0C46-B7AD-D7691F6E276F}" dt="2025-08-04T05:44:29.345" v="3882" actId="20577"/>
+        <pc:sldMkLst>
+          <pc:docMk/>
+          <pc:sldMk cId="2227964519" sldId="469"/>
+        </pc:sldMkLst>
+      </pc:sldChg>
+      <pc:sldChg chg="add">
+        <pc:chgData name="健 翁" userId="bedff36119963aae" providerId="LiveId" clId="{B988CD94-6A36-0C46-B7AD-D7691F6E276F}" dt="2025-08-04T05:50:15.319" v="4008"/>
+        <pc:sldMkLst>
+          <pc:docMk/>
+          <pc:sldMk cId="2665282754" sldId="470"/>
+        </pc:sldMkLst>
+      </pc:sldChg>
+      <pc:sldChg chg="addSp delSp modSp new mod">
+        <pc:chgData name="健 翁" userId="bedff36119963aae" providerId="LiveId" clId="{B988CD94-6A36-0C46-B7AD-D7691F6E276F}" dt="2025-08-04T07:33:22.235" v="4827" actId="1076"/>
+        <pc:sldMkLst>
+          <pc:docMk/>
+          <pc:sldMk cId="955901285" sldId="471"/>
+        </pc:sldMkLst>
+      </pc:sldChg>
+      <pc:sldChg chg="modSp add mod">
+        <pc:chgData name="健 翁" userId="bedff36119963aae" providerId="LiveId" clId="{B988CD94-6A36-0C46-B7AD-D7691F6E276F}" dt="2025-08-04T07:35:07.406" v="5080" actId="20577"/>
+        <pc:sldMkLst>
+          <pc:docMk/>
+          <pc:sldMk cId="1931530313" sldId="472"/>
+        </pc:sldMkLst>
+      </pc:sldChg>
+      <pc:sldChg chg="delSp modSp add mod">
+        <pc:chgData name="健 翁" userId="bedff36119963aae" providerId="LiveId" clId="{B988CD94-6A36-0C46-B7AD-D7691F6E276F}" dt="2025-08-04T07:38:37.724" v="5471" actId="1076"/>
+        <pc:sldMkLst>
+          <pc:docMk/>
+          <pc:sldMk cId="1363804738" sldId="473"/>
+        </pc:sldMkLst>
+      </pc:sldChg>
+      <pc:sldChg chg="modSp add mod">
+        <pc:chgData name="健 翁" userId="bedff36119963aae" providerId="LiveId" clId="{B988CD94-6A36-0C46-B7AD-D7691F6E276F}" dt="2025-08-04T07:49:14.509" v="5475" actId="113"/>
+        <pc:sldMkLst>
+          <pc:docMk/>
+          <pc:sldMk cId="1042054828" sldId="474"/>
+        </pc:sldMkLst>
+      </pc:sldChg>
+      <pc:sldMasterChg chg="modSp mod modSldLayout">
+        <pc:chgData name="健 翁" userId="bedff36119963aae" providerId="LiveId" clId="{B988CD94-6A36-0C46-B7AD-D7691F6E276F}" dt="2025-08-03T00:58:33.050" v="355" actId="207"/>
+        <pc:sldMasterMkLst>
+          <pc:docMk/>
+          <pc:sldMasterMk cId="1737808725" sldId="2147483648"/>
+        </pc:sldMasterMkLst>
+        <pc:sldLayoutChg chg="modSp mod">
+          <pc:chgData name="健 翁" userId="bedff36119963aae" providerId="LiveId" clId="{B988CD94-6A36-0C46-B7AD-D7691F6E276F}" dt="2025-08-03T00:57:52.014" v="352" actId="207"/>
+          <pc:sldLayoutMkLst>
+            <pc:docMk/>
+            <pc:sldMasterMk cId="1737808725" sldId="2147483648"/>
+            <pc:sldLayoutMk cId="1496346861" sldId="2147483649"/>
+          </pc:sldLayoutMkLst>
+        </pc:sldLayoutChg>
+        <pc:sldLayoutChg chg="modSp mod">
+          <pc:chgData name="健 翁" userId="bedff36119963aae" providerId="LiveId" clId="{B988CD94-6A36-0C46-B7AD-D7691F6E276F}" dt="2025-08-03T00:57:02.108" v="349" actId="207"/>
+          <pc:sldLayoutMkLst>
+            <pc:docMk/>
+            <pc:sldMasterMk cId="1737808725" sldId="2147483648"/>
+            <pc:sldLayoutMk cId="226798156" sldId="2147483650"/>
+          </pc:sldLayoutMkLst>
+        </pc:sldLayoutChg>
+      </pc:sldMasterChg>
+    </pc:docChg>
+  </pc:docChgLst>
+  <pc:docChgLst>
+    <pc:chgData name="健 翁" userId="bedff36119963aae" providerId="LiveId" clId="{08B412B3-6950-B047-A601-127BCB29394A}"/>
+    <pc:docChg chg="undo custSel addSld delSld modSld sldOrd">
+      <pc:chgData name="健 翁" userId="bedff36119963aae" providerId="LiveId" clId="{08B412B3-6950-B047-A601-127BCB29394A}" dt="2025-08-07T06:50:02.420" v="10821" actId="20577"/>
+      <pc:docMkLst>
+        <pc:docMk/>
+      </pc:docMkLst>
+      <pc:sldChg chg="modSp mod">
+        <pc:chgData name="健 翁" userId="bedff36119963aae" providerId="LiveId" clId="{08B412B3-6950-B047-A601-127BCB29394A}" dt="2025-08-07T06:02:37.931" v="10815" actId="20577"/>
+        <pc:sldMkLst>
+          <pc:docMk/>
+          <pc:sldMk cId="2548739364" sldId="256"/>
+        </pc:sldMkLst>
+      </pc:sldChg>
+      <pc:sldChg chg="addSp delSp modSp mod">
+        <pc:chgData name="健 翁" userId="bedff36119963aae" providerId="LiveId" clId="{08B412B3-6950-B047-A601-127BCB29394A}" dt="2025-08-04T08:47:50.218" v="4"/>
+        <pc:sldMkLst>
+          <pc:docMk/>
+          <pc:sldMk cId="39619622" sldId="257"/>
+        </pc:sldMkLst>
+      </pc:sldChg>
+      <pc:sldChg chg="delSp modSp add mod">
+        <pc:chgData name="健 翁" userId="bedff36119963aae" providerId="LiveId" clId="{08B412B3-6950-B047-A601-127BCB29394A}" dt="2025-08-06T03:52:37.598" v="5710" actId="1076"/>
+        <pc:sldMkLst>
+          <pc:docMk/>
+          <pc:sldMk cId="1931530313" sldId="472"/>
+        </pc:sldMkLst>
+      </pc:sldChg>
+      <pc:sldChg chg="add">
+        <pc:chgData name="健 翁" userId="bedff36119963aae" providerId="LiveId" clId="{08B412B3-6950-B047-A601-127BCB29394A}" dt="2025-08-04T08:48:32.750" v="7"/>
+        <pc:sldMkLst>
+          <pc:docMk/>
+          <pc:sldMk cId="2265480471" sldId="5085"/>
+        </pc:sldMkLst>
+      </pc:sldChg>
+      <pc:sldChg chg="add">
+        <pc:chgData name="健 翁" userId="bedff36119963aae" providerId="LiveId" clId="{08B412B3-6950-B047-A601-127BCB29394A}" dt="2025-08-05T14:21:53.300" v="4175"/>
+        <pc:sldMkLst>
+          <pc:docMk/>
+          <pc:sldMk cId="1518614724" sldId="5089"/>
+        </pc:sldMkLst>
+      </pc:sldChg>
+      <pc:sldChg chg="addSp modSp add modAnim">
+        <pc:chgData name="健 翁" userId="bedff36119963aae" providerId="LiveId" clId="{08B412B3-6950-B047-A601-127BCB29394A}" dt="2025-08-06T03:27:23.155" v="5104"/>
+        <pc:sldMkLst>
+          <pc:docMk/>
+          <pc:sldMk cId="562610852" sldId="5125"/>
+        </pc:sldMkLst>
+      </pc:sldChg>
+      <pc:sldChg chg="add mod modShow">
+        <pc:chgData name="健 翁" userId="bedff36119963aae" providerId="LiveId" clId="{08B412B3-6950-B047-A601-127BCB29394A}" dt="2025-08-05T14:22:07.497" v="4176" actId="729"/>
+        <pc:sldMkLst>
+          <pc:docMk/>
+          <pc:sldMk cId="2212940397" sldId="5128"/>
+        </pc:sldMkLst>
+      </pc:sldChg>
+      <pc:sldChg chg="modSp add mod">
+        <pc:chgData name="健 翁" userId="bedff36119963aae" providerId="LiveId" clId="{08B412B3-6950-B047-A601-127BCB29394A}" dt="2025-08-06T11:27:01.740" v="10552" actId="27636"/>
+        <pc:sldMkLst>
+          <pc:docMk/>
+          <pc:sldMk cId="870711554" sldId="5134"/>
+        </pc:sldMkLst>
+      </pc:sldChg>
+      <pc:sldChg chg="modSp add mod">
+        <pc:chgData name="健 翁" userId="bedff36119963aae" providerId="LiveId" clId="{08B412B3-6950-B047-A601-127BCB29394A}" dt="2025-08-06T11:27:29.969" v="10557" actId="27636"/>
+        <pc:sldMkLst>
+          <pc:docMk/>
+          <pc:sldMk cId="4052375422" sldId="5135"/>
+        </pc:sldMkLst>
+      </pc:sldChg>
+      <pc:sldChg chg="add mod modShow">
+        <pc:chgData name="健 翁" userId="bedff36119963aae" providerId="LiveId" clId="{08B412B3-6950-B047-A601-127BCB29394A}" dt="2025-08-06T11:27:36.008" v="10558" actId="729"/>
+        <pc:sldMkLst>
+          <pc:docMk/>
+          <pc:sldMk cId="459581737" sldId="5136"/>
+        </pc:sldMkLst>
+      </pc:sldChg>
+      <pc:sldChg chg="modSp add mod">
+        <pc:chgData name="健 翁" userId="bedff36119963aae" providerId="LiveId" clId="{08B412B3-6950-B047-A601-127BCB29394A}" dt="2025-08-06T11:27:10.531" v="10555" actId="27636"/>
+        <pc:sldMkLst>
+          <pc:docMk/>
+          <pc:sldMk cId="1614710843" sldId="5142"/>
+        </pc:sldMkLst>
+      </pc:sldChg>
+      <pc:sldChg chg="modSp add mod">
+        <pc:chgData name="健 翁" userId="bedff36119963aae" providerId="LiveId" clId="{08B412B3-6950-B047-A601-127BCB29394A}" dt="2025-08-04T08:48:25.486" v="6" actId="27636"/>
+        <pc:sldMkLst>
+          <pc:docMk/>
+          <pc:sldMk cId="3102996273" sldId="5149"/>
+        </pc:sldMkLst>
+      </pc:sldChg>
+      <pc:sldChg chg="addSp modSp add mod">
+        <pc:chgData name="健 翁" userId="bedff36119963aae" providerId="LiveId" clId="{08B412B3-6950-B047-A601-127BCB29394A}" dt="2025-08-04T10:31:40.735" v="975" actId="20577"/>
+        <pc:sldMkLst>
+          <pc:docMk/>
+          <pc:sldMk cId="3899868927" sldId="5151"/>
+        </pc:sldMkLst>
+      </pc:sldChg>
+      <pc:sldChg chg="addSp delSp modSp new mod">
+        <pc:chgData name="健 翁" userId="bedff36119963aae" providerId="LiveId" clId="{08B412B3-6950-B047-A601-127BCB29394A}" dt="2025-08-04T10:13:00.914" v="805"/>
+        <pc:sldMkLst>
+          <pc:docMk/>
+          <pc:sldMk cId="68839045" sldId="5152"/>
+        </pc:sldMkLst>
+      </pc:sldChg>
+      <pc:sldChg chg="addSp delSp modSp new mod">
+        <pc:chgData name="健 翁" userId="bedff36119963aae" providerId="LiveId" clId="{08B412B3-6950-B047-A601-127BCB29394A}" dt="2025-08-05T14:01:25.084" v="4170" actId="1076"/>
+        <pc:sldMkLst>
+          <pc:docMk/>
+          <pc:sldMk cId="3977112199" sldId="5153"/>
+        </pc:sldMkLst>
+      </pc:sldChg>
+      <pc:sldChg chg="add del">
+        <pc:chgData name="健 翁" userId="bedff36119963aae" providerId="LiveId" clId="{08B412B3-6950-B047-A601-127BCB29394A}" dt="2025-08-04T10:10:46.704" v="494" actId="2696"/>
+        <pc:sldMkLst>
+          <pc:docMk/>
+          <pc:sldMk cId="4235564307" sldId="5153"/>
+        </pc:sldMkLst>
+      </pc:sldChg>
+      <pc:sldChg chg="addSp delSp modSp new mod">
+        <pc:chgData name="健 翁" userId="bedff36119963aae" providerId="LiveId" clId="{08B412B3-6950-B047-A601-127BCB29394A}" dt="2025-08-04T10:22:26.982" v="884" actId="1076"/>
+        <pc:sldMkLst>
+          <pc:docMk/>
+          <pc:sldMk cId="74970302" sldId="5154"/>
+        </pc:sldMkLst>
+      </pc:sldChg>
+      <pc:sldChg chg="addSp delSp modSp new mod">
+        <pc:chgData name="健 翁" userId="bedff36119963aae" providerId="LiveId" clId="{08B412B3-6950-B047-A601-127BCB29394A}" dt="2025-08-04T10:23:04.615" v="897" actId="1038"/>
+        <pc:sldMkLst>
+          <pc:docMk/>
+          <pc:sldMk cId="2038790528" sldId="5155"/>
+        </pc:sldMkLst>
+      </pc:sldChg>
+      <pc:sldChg chg="addSp delSp modSp new mod">
+        <pc:chgData name="健 翁" userId="bedff36119963aae" providerId="LiveId" clId="{08B412B3-6950-B047-A601-127BCB29394A}" dt="2025-08-04T10:33:30.910" v="980" actId="208"/>
+        <pc:sldMkLst>
+          <pc:docMk/>
+          <pc:sldMk cId="1421952188" sldId="5156"/>
+        </pc:sldMkLst>
+      </pc:sldChg>
+      <pc:sldChg chg="addSp modSp new mod">
+        <pc:chgData name="健 翁" userId="bedff36119963aae" providerId="LiveId" clId="{08B412B3-6950-B047-A601-127BCB29394A}" dt="2025-08-05T02:58:30.803" v="3160" actId="14100"/>
+        <pc:sldMkLst>
+          <pc:docMk/>
+          <pc:sldMk cId="367139676" sldId="5157"/>
+        </pc:sldMkLst>
+      </pc:sldChg>
+      <pc:sldChg chg="addSp modSp new mod">
+        <pc:chgData name="健 翁" userId="bedff36119963aae" providerId="LiveId" clId="{08B412B3-6950-B047-A601-127BCB29394A}" dt="2025-08-04T10:42:18.060" v="1595" actId="1035"/>
+        <pc:sldMkLst>
+          <pc:docMk/>
+          <pc:sldMk cId="1474620563" sldId="5158"/>
+        </pc:sldMkLst>
+      </pc:sldChg>
+      <pc:sldChg chg="addSp delSp modSp add mod">
+        <pc:chgData name="健 翁" userId="bedff36119963aae" providerId="LiveId" clId="{08B412B3-6950-B047-A601-127BCB29394A}" dt="2025-08-04T10:41:44.137" v="1584" actId="1076"/>
+        <pc:sldMkLst>
+          <pc:docMk/>
+          <pc:sldMk cId="2312525663" sldId="5159"/>
+        </pc:sldMkLst>
+      </pc:sldChg>
+      <pc:sldChg chg="new del">
+        <pc:chgData name="健 翁" userId="bedff36119963aae" providerId="LiveId" clId="{08B412B3-6950-B047-A601-127BCB29394A}" dt="2025-08-04T10:43:11.383" v="1597" actId="2696"/>
+        <pc:sldMkLst>
+          <pc:docMk/>
+          <pc:sldMk cId="1333091696" sldId="5160"/>
+        </pc:sldMkLst>
+      </pc:sldChg>
+      <pc:sldChg chg="delSp modSp add mod">
+        <pc:chgData name="健 翁" userId="bedff36119963aae" providerId="LiveId" clId="{08B412B3-6950-B047-A601-127BCB29394A}" dt="2025-08-06T03:10:27.130" v="4704" actId="14100"/>
+        <pc:sldMkLst>
+          <pc:docMk/>
+          <pc:sldMk cId="3784550203" sldId="5160"/>
+        </pc:sldMkLst>
+      </pc:sldChg>
+      <pc:sldChg chg="addSp delSp modSp new mod ord delAnim modAnim">
+        <pc:chgData name="健 翁" userId="bedff36119963aae" providerId="LiveId" clId="{08B412B3-6950-B047-A601-127BCB29394A}" dt="2025-08-06T05:01:48.516" v="7029" actId="478"/>
+        <pc:sldMkLst>
+          <pc:docMk/>
+          <pc:sldMk cId="4237572465" sldId="5161"/>
+        </pc:sldMkLst>
+      </pc:sldChg>
+      <pc:sldChg chg="addSp modSp new mod ord">
+        <pc:chgData name="健 翁" userId="bedff36119963aae" providerId="LiveId" clId="{08B412B3-6950-B047-A601-127BCB29394A}" dt="2025-08-06T05:02:48.242" v="7091" actId="20577"/>
+        <pc:sldMkLst>
+          <pc:docMk/>
+          <pc:sldMk cId="2511327023" sldId="5162"/>
+        </pc:sldMkLst>
+      </pc:sldChg>
+      <pc:sldChg chg="addSp modSp new mod">
+        <pc:chgData name="健 翁" userId="bedff36119963aae" providerId="LiveId" clId="{08B412B3-6950-B047-A601-127BCB29394A}" dt="2025-08-05T03:08:16.524" v="3507" actId="14100"/>
+        <pc:sldMkLst>
+          <pc:docMk/>
+          <pc:sldMk cId="3031663747" sldId="5163"/>
+        </pc:sldMkLst>
+      </pc:sldChg>
+      <pc:sldChg chg="addSp delSp modSp add del mod">
+        <pc:chgData name="健 翁" userId="bedff36119963aae" providerId="LiveId" clId="{08B412B3-6950-B047-A601-127BCB29394A}" dt="2025-08-05T03:39:32.090" v="3554" actId="2696"/>
+        <pc:sldMkLst>
+          <pc:docMk/>
+          <pc:sldMk cId="1197509891" sldId="5164"/>
+        </pc:sldMkLst>
+      </pc:sldChg>
+      <pc:sldChg chg="modSp add mod">
+        <pc:chgData name="健 翁" userId="bedff36119963aae" providerId="LiveId" clId="{08B412B3-6950-B047-A601-127BCB29394A}" dt="2025-08-06T05:03:12.423" v="7093" actId="20577"/>
+        <pc:sldMkLst>
+          <pc:docMk/>
+          <pc:sldMk cId="3650531656" sldId="5164"/>
+        </pc:sldMkLst>
+      </pc:sldChg>
+      <pc:sldChg chg="addSp modSp new mod">
+        <pc:chgData name="健 翁" userId="bedff36119963aae" providerId="LiveId" clId="{08B412B3-6950-B047-A601-127BCB29394A}" dt="2025-08-06T03:21:12.552" v="4752" actId="1076"/>
+        <pc:sldMkLst>
+          <pc:docMk/>
+          <pc:sldMk cId="625746147" sldId="5165"/>
+        </pc:sldMkLst>
+      </pc:sldChg>
+      <pc:sldChg chg="modSp add mod">
+        <pc:chgData name="健 翁" userId="bedff36119963aae" providerId="LiveId" clId="{08B412B3-6950-B047-A601-127BCB29394A}" dt="2025-08-05T14:00:18.188" v="4064" actId="20577"/>
+        <pc:sldMkLst>
+          <pc:docMk/>
+          <pc:sldMk cId="1476950983" sldId="5166"/>
+        </pc:sldMkLst>
+      </pc:sldChg>
+      <pc:sldChg chg="modSp add mod">
+        <pc:chgData name="健 翁" userId="bedff36119963aae" providerId="LiveId" clId="{08B412B3-6950-B047-A601-127BCB29394A}" dt="2025-08-06T03:18:44.690" v="4751" actId="1076"/>
+        <pc:sldMkLst>
+          <pc:docMk/>
+          <pc:sldMk cId="3340493644" sldId="5167"/>
+        </pc:sldMkLst>
+      </pc:sldChg>
+      <pc:sldChg chg="modSp new mod">
+        <pc:chgData name="健 翁" userId="bedff36119963aae" providerId="LiveId" clId="{08B412B3-6950-B047-A601-127BCB29394A}" dt="2025-08-06T05:02:08.827" v="7030" actId="1076"/>
+        <pc:sldMkLst>
+          <pc:docMk/>
+          <pc:sldMk cId="505726437" sldId="5168"/>
+        </pc:sldMkLst>
+      </pc:sldChg>
+      <pc:sldChg chg="addSp modSp new mod modAnim">
+        <pc:chgData name="健 翁" userId="bedff36119963aae" providerId="LiveId" clId="{08B412B3-6950-B047-A601-127BCB29394A}" dt="2025-08-06T03:22:40.933" v="4832" actId="1076"/>
+        <pc:sldMkLst>
+          <pc:docMk/>
+          <pc:sldMk cId="607062947" sldId="5169"/>
+        </pc:sldMkLst>
+      </pc:sldChg>
+      <pc:sldChg chg="modSp add mod">
+        <pc:chgData name="健 翁" userId="bedff36119963aae" providerId="LiveId" clId="{08B412B3-6950-B047-A601-127BCB29394A}" dt="2025-08-06T05:04:01.671" v="7133" actId="20577"/>
+        <pc:sldMkLst>
+          <pc:docMk/>
+          <pc:sldMk cId="1764225062" sldId="5170"/>
+        </pc:sldMkLst>
+      </pc:sldChg>
+      <pc:sldChg chg="new del">
+        <pc:chgData name="健 翁" userId="bedff36119963aae" providerId="LiveId" clId="{08B412B3-6950-B047-A601-127BCB29394A}" dt="2025-08-06T03:26:51.102" v="5090" actId="2696"/>
+        <pc:sldMkLst>
+          <pc:docMk/>
+          <pc:sldMk cId="1683209854" sldId="5171"/>
+        </pc:sldMkLst>
+      </pc:sldChg>
+      <pc:sldChg chg="addSp modSp new mod">
+        <pc:chgData name="健 翁" userId="bedff36119963aae" providerId="LiveId" clId="{08B412B3-6950-B047-A601-127BCB29394A}" dt="2025-08-06T04:24:26.182" v="6277" actId="403"/>
+        <pc:sldMkLst>
+          <pc:docMk/>
+          <pc:sldMk cId="1888207183" sldId="5171"/>
+        </pc:sldMkLst>
+      </pc:sldChg>
+      <pc:sldChg chg="delSp modSp add mod">
+        <pc:chgData name="健 翁" userId="bedff36119963aae" providerId="LiveId" clId="{08B412B3-6950-B047-A601-127BCB29394A}" dt="2025-08-07T06:50:02.420" v="10821" actId="20577"/>
+        <pc:sldMkLst>
+          <pc:docMk/>
+          <pc:sldMk cId="2178140779" sldId="5172"/>
+        </pc:sldMkLst>
+      </pc:sldChg>
+      <pc:sldChg chg="addSp delSp modSp add del mod">
+        <pc:chgData name="健 翁" userId="bedff36119963aae" providerId="LiveId" clId="{08B412B3-6950-B047-A601-127BCB29394A}" dt="2025-08-06T03:27:16.854" v="5103" actId="2696"/>
+        <pc:sldMkLst>
+          <pc:docMk/>
+          <pc:sldMk cId="3233836676" sldId="5172"/>
+        </pc:sldMkLst>
+      </pc:sldChg>
+      <pc:sldChg chg="addSp delSp modSp new mod">
+        <pc:chgData name="健 翁" userId="bedff36119963aae" providerId="LiveId" clId="{08B412B3-6950-B047-A601-127BCB29394A}" dt="2025-08-06T05:00:50.243" v="6987"/>
+        <pc:sldMkLst>
+          <pc:docMk/>
+          <pc:sldMk cId="3227240976" sldId="5173"/>
+        </pc:sldMkLst>
+      </pc:sldChg>
+      <pc:sldChg chg="modSp add mod">
+        <pc:chgData name="健 翁" userId="bedff36119963aae" providerId="LiveId" clId="{08B412B3-6950-B047-A601-127BCB29394A}" dt="2025-08-06T05:01:34.936" v="7028" actId="14100"/>
+        <pc:sldMkLst>
+          <pc:docMk/>
+          <pc:sldMk cId="2192112431" sldId="5174"/>
+        </pc:sldMkLst>
+      </pc:sldChg>
+      <pc:sldChg chg="modSp new mod">
+        <pc:chgData name="健 翁" userId="bedff36119963aae" providerId="LiveId" clId="{08B412B3-6950-B047-A601-127BCB29394A}" dt="2025-08-06T05:07:33.215" v="7460" actId="20577"/>
+        <pc:sldMkLst>
+          <pc:docMk/>
+          <pc:sldMk cId="3155255328" sldId="5175"/>
+        </pc:sldMkLst>
+      </pc:sldChg>
+      <pc:sldChg chg="addSp modSp new mod modAnim">
+        <pc:chgData name="健 翁" userId="bedff36119963aae" providerId="LiveId" clId="{08B412B3-6950-B047-A601-127BCB29394A}" dt="2025-08-06T05:09:40.112" v="7744" actId="1076"/>
+        <pc:sldMkLst>
+          <pc:docMk/>
+          <pc:sldMk cId="2700265280" sldId="5176"/>
+        </pc:sldMkLst>
+      </pc:sldChg>
+      <pc:sldChg chg="addSp modSp new mod">
+        <pc:chgData name="健 翁" userId="bedff36119963aae" providerId="LiveId" clId="{08B412B3-6950-B047-A601-127BCB29394A}" dt="2025-08-06T10:26:00.028" v="9165" actId="1076"/>
+        <pc:sldMkLst>
+          <pc:docMk/>
+          <pc:sldMk cId="1369975596" sldId="5177"/>
+        </pc:sldMkLst>
+      </pc:sldChg>
+      <pc:sldChg chg="addSp delSp modSp new mod">
+        <pc:chgData name="健 翁" userId="bedff36119963aae" providerId="LiveId" clId="{08B412B3-6950-B047-A601-127BCB29394A}" dt="2025-08-06T09:46:44.702" v="8516" actId="21"/>
+        <pc:sldMkLst>
+          <pc:docMk/>
+          <pc:sldMk cId="2021351070" sldId="5178"/>
+        </pc:sldMkLst>
+      </pc:sldChg>
+      <pc:sldChg chg="addSp delSp modSp new mod">
+        <pc:chgData name="健 翁" userId="bedff36119963aae" providerId="LiveId" clId="{08B412B3-6950-B047-A601-127BCB29394A}" dt="2025-08-06T09:57:46.796" v="8709" actId="1076"/>
+        <pc:sldMkLst>
+          <pc:docMk/>
+          <pc:sldMk cId="548558845" sldId="5179"/>
+        </pc:sldMkLst>
+      </pc:sldChg>
+      <pc:sldChg chg="modSp add mod">
+        <pc:chgData name="健 翁" userId="bedff36119963aae" providerId="LiveId" clId="{08B412B3-6950-B047-A601-127BCB29394A}" dt="2025-08-06T10:02:42.838" v="8844" actId="20577"/>
+        <pc:sldMkLst>
+          <pc:docMk/>
+          <pc:sldMk cId="85761837" sldId="5180"/>
+        </pc:sldMkLst>
+      </pc:sldChg>
+      <pc:sldChg chg="delSp modSp add mod">
+        <pc:chgData name="健 翁" userId="bedff36119963aae" providerId="LiveId" clId="{08B412B3-6950-B047-A601-127BCB29394A}" dt="2025-08-06T10:20:25.044" v="9039" actId="1076"/>
+        <pc:sldMkLst>
+          <pc:docMk/>
+          <pc:sldMk cId="1167676827" sldId="5181"/>
+        </pc:sldMkLst>
+      </pc:sldChg>
+      <pc:sldChg chg="modSp add mod">
+        <pc:chgData name="健 翁" userId="bedff36119963aae" providerId="LiveId" clId="{08B412B3-6950-B047-A601-127BCB29394A}" dt="2025-08-06T10:25:52.520" v="9164" actId="313"/>
+        <pc:sldMkLst>
+          <pc:docMk/>
+          <pc:sldMk cId="1057228888" sldId="5182"/>
+        </pc:sldMkLst>
+      </pc:sldChg>
+      <pc:sldChg chg="addSp delSp modSp new mod">
+        <pc:chgData name="健 翁" userId="bedff36119963aae" providerId="LiveId" clId="{08B412B3-6950-B047-A601-127BCB29394A}" dt="2025-08-06T10:42:29.469" v="9477" actId="20577"/>
+        <pc:sldMkLst>
+          <pc:docMk/>
+          <pc:sldMk cId="3258293308" sldId="5183"/>
+        </pc:sldMkLst>
+      </pc:sldChg>
+      <pc:sldChg chg="modSp add mod ord">
+        <pc:chgData name="健 翁" userId="bedff36119963aae" providerId="LiveId" clId="{08B412B3-6950-B047-A601-127BCB29394A}" dt="2025-08-06T10:45:43.559" v="9518" actId="20578"/>
+        <pc:sldMkLst>
+          <pc:docMk/>
+          <pc:sldMk cId="2682485562" sldId="5184"/>
+        </pc:sldMkLst>
+      </pc:sldChg>
+      <pc:sldChg chg="addSp delSp modSp add mod">
+        <pc:chgData name="健 翁" userId="bedff36119963aae" providerId="LiveId" clId="{08B412B3-6950-B047-A601-127BCB29394A}" dt="2025-08-06T10:43:13.010" v="9512" actId="20577"/>
+        <pc:sldMkLst>
+          <pc:docMk/>
+          <pc:sldMk cId="616705893" sldId="5185"/>
+        </pc:sldMkLst>
+      </pc:sldChg>
+      <pc:sldChg chg="addSp delSp modSp add mod">
+        <pc:chgData name="健 翁" userId="bedff36119963aae" providerId="LiveId" clId="{08B412B3-6950-B047-A601-127BCB29394A}" dt="2025-08-06T10:44:01.852" v="9516" actId="1076"/>
+        <pc:sldMkLst>
+          <pc:docMk/>
+          <pc:sldMk cId="2050012229" sldId="5186"/>
+        </pc:sldMkLst>
+      </pc:sldChg>
+      <pc:sldChg chg="addSp modSp new mod ord">
+        <pc:chgData name="健 翁" userId="bedff36119963aae" providerId="LiveId" clId="{08B412B3-6950-B047-A601-127BCB29394A}" dt="2025-08-06T11:02:58.722" v="10306" actId="20578"/>
+        <pc:sldMkLst>
+          <pc:docMk/>
+          <pc:sldMk cId="3176419095" sldId="5187"/>
+        </pc:sldMkLst>
+      </pc:sldChg>
+      <pc:sldChg chg="modSp new mod">
+        <pc:chgData name="健 翁" userId="bedff36119963aae" providerId="LiveId" clId="{08B412B3-6950-B047-A601-127BCB29394A}" dt="2025-08-06T10:53:59.205" v="9798" actId="2711"/>
+        <pc:sldMkLst>
+          <pc:docMk/>
+          <pc:sldMk cId="1610828081" sldId="5188"/>
+        </pc:sldMkLst>
+      </pc:sldChg>
+      <pc:sldChg chg="addSp delSp modSp new mod">
+        <pc:chgData name="健 翁" userId="bedff36119963aae" providerId="LiveId" clId="{08B412B3-6950-B047-A601-127BCB29394A}" dt="2025-08-06T10:59:59.276" v="10056" actId="692"/>
+        <pc:sldMkLst>
+          <pc:docMk/>
+          <pc:sldMk cId="650690872" sldId="5189"/>
+        </pc:sldMkLst>
+      </pc:sldChg>
+      <pc:sldChg chg="addSp delSp modSp new mod">
+        <pc:chgData name="健 翁" userId="bedff36119963aae" providerId="LiveId" clId="{08B412B3-6950-B047-A601-127BCB29394A}" dt="2025-08-06T11:02:48.134" v="10303" actId="1076"/>
+        <pc:sldMkLst>
+          <pc:docMk/>
+          <pc:sldMk cId="1355651249" sldId="5190"/>
+        </pc:sldMkLst>
+      </pc:sldChg>
+      <pc:sldChg chg="addSp modSp new mod">
+        <pc:chgData name="健 翁" userId="bedff36119963aae" providerId="LiveId" clId="{08B412B3-6950-B047-A601-127BCB29394A}" dt="2025-08-06T11:05:59.076" v="10547" actId="20577"/>
+        <pc:sldMkLst>
+          <pc:docMk/>
+          <pc:sldMk cId="57887080" sldId="5191"/>
+        </pc:sldMkLst>
+      </pc:sldChg>
+      <pc:sldChg chg="modSp new del mod">
+        <pc:chgData name="健 翁" userId="bedff36119963aae" providerId="LiveId" clId="{08B412B3-6950-B047-A601-127BCB29394A}" dt="2025-08-06T11:27:04.448" v="10553" actId="2696"/>
+        <pc:sldMkLst>
+          <pc:docMk/>
+          <pc:sldMk cId="3007003357" sldId="5192"/>
+        </pc:sldMkLst>
+      </pc:sldChg>
+      <pc:sldChg chg="addSp modSp new mod">
+        <pc:chgData name="健 翁" userId="bedff36119963aae" providerId="LiveId" clId="{08B412B3-6950-B047-A601-127BCB29394A}" dt="2025-08-07T02:54:37.917" v="10813" actId="1076"/>
+        <pc:sldMkLst>
+          <pc:docMk/>
+          <pc:sldMk cId="3790440056" sldId="5192"/>
+        </pc:sldMkLst>
+      </pc:sldChg>
+    </pc:docChg>
+  </pc:docChgLst>
+  <pc:docChgLst>
     <pc:chgData name="健 翁" userId="bedff36119963aae" providerId="LiveId" clId="{AF407B59-24CC-3E4A-9232-B4969C78804B}"/>
     <pc:docChg chg="delSld modSld">
       <pc:chgData name="健 翁" userId="bedff36119963aae" providerId="LiveId" clId="{AF407B59-24CC-3E4A-9232-B4969C78804B}" dt="2025-08-04T08:32:15.469" v="256" actId="2696"/>
@@ -4964,7 +4965,7 @@
           <a:p>
             <a:fld id="{E0D63A10-EFB1-4E48-8E43-FD1864D4405F}" type="datetimeFigureOut">
               <a:rPr lang="en-CN" smtClean="0"/>
-              <a:t>2025/9/14</a:t>
+              <a:t>2025/9/26</a:t>
             </a:fld>
             <a:endParaRPr lang="en-CN"/>
           </a:p>
@@ -6113,7 +6114,7 @@
           <a:p>
             <a:fld id="{00C2776A-39F0-3F43-A9FD-45BB756F84FB}" type="datetime1">
               <a:rPr lang="en-US" smtClean="0"/>
-              <a:t>9/14/25</a:t>
+              <a:t>9/26/25</a:t>
             </a:fld>
             <a:endParaRPr lang="en-CN"/>
           </a:p>
@@ -6327,7 +6328,7 @@
           <a:p>
             <a:fld id="{323D413A-9DE1-1344-B36C-EC03C1B6A71B}" type="datetime1">
               <a:rPr lang="en-US" smtClean="0"/>
-              <a:t>9/14/25</a:t>
+              <a:t>9/26/25</a:t>
             </a:fld>
             <a:endParaRPr lang="en-CN"/>
           </a:p>
@@ -6537,7 +6538,7 @@
           <a:p>
             <a:fld id="{FB031789-C887-9046-B9DC-348486F56D60}" type="datetime1">
               <a:rPr lang="en-US" smtClean="0"/>
-              <a:t>9/14/25</a:t>
+              <a:t>9/26/25</a:t>
             </a:fld>
             <a:endParaRPr lang="en-CN"/>
           </a:p>
@@ -6761,7 +6762,7 @@
           <a:p>
             <a:fld id="{E11667E3-37CF-5C4E-BA18-C8FD9C13BECA}" type="datetime1">
               <a:rPr lang="en-US" smtClean="0"/>
-              <a:t>9/14/25</a:t>
+              <a:t>9/26/25</a:t>
             </a:fld>
             <a:endParaRPr lang="en-CN"/>
           </a:p>
@@ -7051,7 +7052,7 @@
           <a:p>
             <a:fld id="{855FD7D8-1E4E-D643-B214-80A160D00FBB}" type="datetime1">
               <a:rPr lang="en-US" smtClean="0"/>
-              <a:t>9/14/25</a:t>
+              <a:t>9/26/25</a:t>
             </a:fld>
             <a:endParaRPr lang="en-CN"/>
           </a:p>
@@ -7319,7 +7320,7 @@
           <a:p>
             <a:fld id="{5687BC64-FACD-164F-B6C3-2A8B5EA7E7F6}" type="datetime1">
               <a:rPr lang="en-US" smtClean="0"/>
-              <a:t>9/14/25</a:t>
+              <a:t>9/26/25</a:t>
             </a:fld>
             <a:endParaRPr lang="en-CN"/>
           </a:p>
@@ -7734,7 +7735,7 @@
           <a:p>
             <a:fld id="{05D0072F-D87B-434E-B3E7-7732796AAE8D}" type="datetime1">
               <a:rPr lang="en-US" smtClean="0"/>
-              <a:t>9/14/25</a:t>
+              <a:t>9/26/25</a:t>
             </a:fld>
             <a:endParaRPr lang="en-CN"/>
           </a:p>
@@ -7876,7 +7877,7 @@
           <a:p>
             <a:fld id="{26581AFE-3C25-794E-88F9-52044E03DD03}" type="datetime1">
               <a:rPr lang="en-US" smtClean="0"/>
-              <a:t>9/14/25</a:t>
+              <a:t>9/26/25</a:t>
             </a:fld>
             <a:endParaRPr lang="en-CN"/>
           </a:p>
@@ -7989,7 +7990,7 @@
           <a:p>
             <a:fld id="{E4038F47-E0F3-BE4B-AB36-A5DD9A6D8280}" type="datetime1">
               <a:rPr lang="en-US" smtClean="0"/>
-              <a:t>9/14/25</a:t>
+              <a:t>9/26/25</a:t>
             </a:fld>
             <a:endParaRPr lang="en-CN"/>
           </a:p>
@@ -8302,7 +8303,7 @@
           <a:p>
             <a:fld id="{500D495D-2ECB-8642-9037-A17DB84A4807}" type="datetime1">
               <a:rPr lang="en-US" smtClean="0"/>
-              <a:t>9/14/25</a:t>
+              <a:t>9/26/25</a:t>
             </a:fld>
             <a:endParaRPr lang="en-CN"/>
           </a:p>
@@ -8591,7 +8592,7 @@
           <a:p>
             <a:fld id="{C7D1EED4-E651-C740-8D67-28864251474D}" type="datetime1">
               <a:rPr lang="en-US" smtClean="0"/>
-              <a:t>9/14/25</a:t>
+              <a:t>9/26/25</a:t>
             </a:fld>
             <a:endParaRPr lang="en-CN"/>
           </a:p>
@@ -8834,7 +8835,7 @@
           <a:p>
             <a:fld id="{83495D33-10BF-174C-ABC8-B15BDAEAB7D7}" type="datetime1">
               <a:rPr lang="en-US" smtClean="0"/>
-              <a:t>9/14/25</a:t>
+              <a:t>9/26/25</a:t>
             </a:fld>
             <a:endParaRPr lang="en-CN"/>
           </a:p>
@@ -24194,7 +24195,13 @@
           <p:cNvGraphicFramePr>
             <a:graphicFrameLocks noGrp="1"/>
           </p:cNvGraphicFramePr>
-          <p:nvPr/>
+          <p:nvPr>
+            <p:extLst>
+              <p:ext uri="{D42A27DB-BD31-4B8C-83A1-F6EECF244321}">
+                <p14:modId xmlns:p14="http://schemas.microsoft.com/office/powerpoint/2010/main" val="1696268104"/>
+              </p:ext>
+            </p:extLst>
+          </p:nvPr>
         </p:nvGraphicFramePr>
         <p:xfrm>
           <a:off x="9009527" y="483460"/>
@@ -29212,17 +29219,31 @@
           <a:p>
             <a:r>
               <a:rPr lang="en-US" altLang="zh-CN" dirty="0"/>
-              <a:t>GPU:</a:t>
-            </a:r>
-            <a:r>
-              <a:rPr lang="zh-CN" altLang="en-US" dirty="0"/>
-              <a:t> </a:t>
-            </a:r>
-            <a:r>
-              <a:rPr lang="en-US" altLang="zh-CN" dirty="0">
-                <a:sym typeface="Wingdings" pitchFamily="2" charset="2"/>
-              </a:rPr>
-              <a:t></a:t>
+              <a:t>GPU</a:t>
+            </a:r>
+            <a:r>
+              <a:rPr lang="zh-CN" altLang="en-US" dirty="0"/>
+              <a:t> </a:t>
+            </a:r>
+            <a:r>
+              <a:rPr lang="en-US" altLang="zh-CN" dirty="0"/>
+              <a:t>adopts</a:t>
+            </a:r>
+            <a:r>
+              <a:rPr lang="zh-CN" altLang="en-US" dirty="0"/>
+              <a:t> </a:t>
+            </a:r>
+            <a:r>
+              <a:rPr lang="en-US" altLang="zh-CN" dirty="0"/>
+              <a:t>this</a:t>
+            </a:r>
+            <a:r>
+              <a:rPr lang="zh-CN" altLang="en-US" dirty="0"/>
+              <a:t> </a:t>
+            </a:r>
+            <a:r>
+              <a:rPr lang="en-US" altLang="zh-CN" dirty="0"/>
+              <a:t>strategy!</a:t>
             </a:r>
             <a:endParaRPr lang="en-CN" dirty="0"/>
           </a:p>
@@ -44524,6 +44545,356 @@
   <p:cSld>
     <p:spTree>
       <p:nvGrpSpPr>
+        <p:cNvPr id="1" name=""/>
+        <p:cNvGrpSpPr/>
+        <p:nvPr/>
+      </p:nvGrpSpPr>
+      <p:grpSpPr>
+        <a:xfrm>
+          <a:off x="0" y="0"/>
+          <a:ext cx="0" cy="0"/>
+          <a:chOff x="0" y="0"/>
+          <a:chExt cx="0" cy="0"/>
+        </a:xfrm>
+      </p:grpSpPr>
+      <p:sp>
+        <p:nvSpPr>
+          <p:cNvPr id="2" name="Title 1">
+            <a:extLst>
+              <a:ext uri="{FF2B5EF4-FFF2-40B4-BE49-F238E27FC236}">
+                <a16:creationId xmlns:a16="http://schemas.microsoft.com/office/drawing/2014/main" id="{107FD30B-B2E2-D583-B2CB-90512F3956E2}"/>
+              </a:ext>
+            </a:extLst>
+          </p:cNvPr>
+          <p:cNvSpPr>
+            <a:spLocks noGrp="1"/>
+          </p:cNvSpPr>
+          <p:nvPr>
+            <p:ph type="title"/>
+          </p:nvPr>
+        </p:nvSpPr>
+        <p:spPr>
+          <a:xfrm>
+            <a:off x="115389" y="347479"/>
+            <a:ext cx="10515600" cy="1325563"/>
+          </a:xfrm>
+        </p:spPr>
+        <p:txBody>
+          <a:bodyPr/>
+          <a:lstStyle/>
+          <a:p>
+            <a:r>
+              <a:rPr lang="en-US" altLang="zh-CN" dirty="0"/>
+              <a:t>Motivation</a:t>
+            </a:r>
+            <a:endParaRPr lang="en-CN" dirty="0"/>
+          </a:p>
+        </p:txBody>
+      </p:sp>
+      <p:sp>
+        <p:nvSpPr>
+          <p:cNvPr id="4" name="Slide Number Placeholder 3">
+            <a:extLst>
+              <a:ext uri="{FF2B5EF4-FFF2-40B4-BE49-F238E27FC236}">
+                <a16:creationId xmlns:a16="http://schemas.microsoft.com/office/drawing/2014/main" id="{2C3FCB6B-AE2A-16D9-4B8B-0797E55090D5}"/>
+              </a:ext>
+            </a:extLst>
+          </p:cNvPr>
+          <p:cNvSpPr>
+            <a:spLocks noGrp="1"/>
+          </p:cNvSpPr>
+          <p:nvPr>
+            <p:ph type="sldNum" sz="quarter" idx="12"/>
+          </p:nvPr>
+        </p:nvSpPr>
+        <p:spPr/>
+        <p:txBody>
+          <a:bodyPr/>
+          <a:lstStyle/>
+          <a:p>
+            <a:fld id="{5B11474F-04F4-744B-8B07-A066A0A4E1E8}" type="slidenum">
+              <a:rPr lang="en-CN" smtClean="0"/>
+              <a:pPr/>
+              <a:t>38</a:t>
+            </a:fld>
+            <a:endParaRPr lang="en-CN"/>
+          </a:p>
+        </p:txBody>
+      </p:sp>
+      <p:pic>
+        <p:nvPicPr>
+          <p:cNvPr id="5" name="Picture 4">
+            <a:extLst>
+              <a:ext uri="{FF2B5EF4-FFF2-40B4-BE49-F238E27FC236}">
+                <a16:creationId xmlns:a16="http://schemas.microsoft.com/office/drawing/2014/main" id="{B14F0EBE-3733-981B-5C25-4BD15A3829A7}"/>
+              </a:ext>
+            </a:extLst>
+          </p:cNvPr>
+          <p:cNvPicPr>
+            <a:picLocks noChangeAspect="1"/>
+          </p:cNvPicPr>
+          <p:nvPr/>
+        </p:nvPicPr>
+        <p:blipFill>
+          <a:blip r:embed="rId2"/>
+          <a:stretch>
+            <a:fillRect/>
+          </a:stretch>
+        </p:blipFill>
+        <p:spPr>
+          <a:xfrm>
+            <a:off x="4687239" y="1673042"/>
+            <a:ext cx="7517823" cy="3771155"/>
+          </a:xfrm>
+          <a:prstGeom prst="rect">
+            <a:avLst/>
+          </a:prstGeom>
+        </p:spPr>
+      </p:pic>
+      <p:sp>
+        <p:nvSpPr>
+          <p:cNvPr id="6" name="Rectangle 5">
+            <a:extLst>
+              <a:ext uri="{FF2B5EF4-FFF2-40B4-BE49-F238E27FC236}">
+                <a16:creationId xmlns:a16="http://schemas.microsoft.com/office/drawing/2014/main" id="{D42935C6-5257-FDE5-8CB6-0A388A4491BE}"/>
+              </a:ext>
+            </a:extLst>
+          </p:cNvPr>
+          <p:cNvSpPr/>
+          <p:nvPr/>
+        </p:nvSpPr>
+        <p:spPr>
+          <a:xfrm>
+            <a:off x="8897312" y="1790484"/>
+            <a:ext cx="3179299" cy="1101572"/>
+          </a:xfrm>
+          <a:prstGeom prst="rect">
+            <a:avLst/>
+          </a:prstGeom>
+          <a:noFill/>
+          <a:ln>
+            <a:solidFill>
+              <a:srgbClr val="FF0000"/>
+            </a:solidFill>
+          </a:ln>
+        </p:spPr>
+        <p:style>
+          <a:lnRef idx="2">
+            <a:schemeClr val="accent1">
+              <a:shade val="15000"/>
+            </a:schemeClr>
+          </a:lnRef>
+          <a:fillRef idx="1">
+            <a:schemeClr val="accent1"/>
+          </a:fillRef>
+          <a:effectRef idx="0">
+            <a:schemeClr val="accent1"/>
+          </a:effectRef>
+          <a:fontRef idx="minor">
+            <a:schemeClr val="lt1"/>
+          </a:fontRef>
+        </p:style>
+        <p:txBody>
+          <a:bodyPr rtlCol="0" anchor="ctr"/>
+          <a:lstStyle/>
+          <a:p>
+            <a:pPr algn="ctr"/>
+            <a:endParaRPr lang="en-CN"/>
+          </a:p>
+        </p:txBody>
+      </p:sp>
+      <p:sp>
+        <p:nvSpPr>
+          <p:cNvPr id="3" name="Content Placeholder 2">
+            <a:extLst>
+              <a:ext uri="{FF2B5EF4-FFF2-40B4-BE49-F238E27FC236}">
+                <a16:creationId xmlns:a16="http://schemas.microsoft.com/office/drawing/2014/main" id="{FCEEB258-7516-C3BC-07E5-B97F179B6EEF}"/>
+              </a:ext>
+            </a:extLst>
+          </p:cNvPr>
+          <p:cNvSpPr>
+            <a:spLocks noGrp="1"/>
+          </p:cNvSpPr>
+          <p:nvPr>
+            <p:ph idx="1"/>
+          </p:nvPr>
+        </p:nvSpPr>
+        <p:spPr>
+          <a:xfrm>
+            <a:off x="115389" y="2043703"/>
+            <a:ext cx="5272537" cy="4351338"/>
+          </a:xfrm>
+        </p:spPr>
+        <p:txBody>
+          <a:bodyPr/>
+          <a:lstStyle/>
+          <a:p>
+            <a:r>
+              <a:rPr lang="en-US" altLang="zh-CN" dirty="0"/>
+              <a:t>Compute</a:t>
+            </a:r>
+            <a:r>
+              <a:rPr lang="zh-CN" altLang="en-US" dirty="0"/>
+              <a:t> </a:t>
+            </a:r>
+            <a:r>
+              <a:rPr lang="en-US" altLang="zh-CN" dirty="0"/>
+              <a:t>is</a:t>
+            </a:r>
+            <a:r>
+              <a:rPr lang="zh-CN" altLang="en-US" dirty="0"/>
+              <a:t> </a:t>
+            </a:r>
+            <a:r>
+              <a:rPr lang="en-US" altLang="zh-CN" dirty="0"/>
+              <a:t>fast!</a:t>
+            </a:r>
+          </a:p>
+          <a:p>
+            <a:r>
+              <a:rPr lang="en-US" altLang="zh-CN" dirty="0"/>
+              <a:t>Look</a:t>
+            </a:r>
+            <a:r>
+              <a:rPr lang="zh-CN" altLang="en-US" dirty="0"/>
+              <a:t> </a:t>
+            </a:r>
+            <a:r>
+              <a:rPr lang="en-US" altLang="zh-CN" dirty="0"/>
+              <a:t>at</a:t>
+            </a:r>
+            <a:r>
+              <a:rPr lang="zh-CN" altLang="en-US" dirty="0"/>
+              <a:t> </a:t>
+            </a:r>
+            <a:r>
+              <a:rPr lang="en-US" altLang="zh-CN" dirty="0"/>
+              <a:t>this</a:t>
+            </a:r>
+            <a:r>
+              <a:rPr lang="zh-CN" altLang="en-US" dirty="0"/>
+              <a:t> </a:t>
+            </a:r>
+            <a:r>
+              <a:rPr lang="en-US" altLang="zh-CN" dirty="0"/>
+              <a:t>CPU,</a:t>
+            </a:r>
+            <a:r>
+              <a:rPr lang="zh-CN" altLang="en-US" dirty="0"/>
+              <a:t> </a:t>
+            </a:r>
+            <a:r>
+              <a:rPr lang="en-US" altLang="zh-CN" dirty="0"/>
+              <a:t>whose</a:t>
+            </a:r>
+            <a:r>
+              <a:rPr lang="zh-CN" altLang="en-US" dirty="0"/>
+              <a:t> </a:t>
+            </a:r>
+            <a:r>
+              <a:rPr lang="en-US" altLang="zh-CN" dirty="0"/>
+              <a:t>clock</a:t>
+            </a:r>
+            <a:r>
+              <a:rPr lang="zh-CN" altLang="en-US" dirty="0"/>
+              <a:t> </a:t>
+            </a:r>
+            <a:r>
+              <a:rPr lang="en-US" altLang="zh-CN" dirty="0"/>
+              <a:t>rate</a:t>
+            </a:r>
+            <a:r>
+              <a:rPr lang="zh-CN" altLang="en-US" dirty="0"/>
+              <a:t> </a:t>
+            </a:r>
+            <a:r>
+              <a:rPr lang="en-US" altLang="zh-CN" dirty="0"/>
+              <a:t>is</a:t>
+            </a:r>
+            <a:r>
+              <a:rPr lang="zh-CN" altLang="en-US" dirty="0"/>
+              <a:t> </a:t>
+            </a:r>
+            <a:r>
+              <a:rPr lang="en-US" altLang="zh-CN" dirty="0"/>
+              <a:t>4.3GHz</a:t>
+            </a:r>
+          </a:p>
+          <a:p>
+            <a:r>
+              <a:rPr lang="en-US" altLang="zh-CN" dirty="0"/>
+              <a:t>An</a:t>
+            </a:r>
+            <a:r>
+              <a:rPr lang="zh-CN" altLang="en-US" dirty="0"/>
+              <a:t> </a:t>
+            </a:r>
+            <a:r>
+              <a:rPr lang="en-US" altLang="zh-CN" dirty="0"/>
+              <a:t>addition</a:t>
+            </a:r>
+            <a:r>
+              <a:rPr lang="zh-CN" altLang="en-US" dirty="0"/>
+              <a:t> </a:t>
+            </a:r>
+            <a:r>
+              <a:rPr lang="en-US" altLang="zh-CN" dirty="0"/>
+              <a:t>can</a:t>
+            </a:r>
+            <a:r>
+              <a:rPr lang="zh-CN" altLang="en-US" dirty="0"/>
+              <a:t> </a:t>
+            </a:r>
+            <a:r>
+              <a:rPr lang="en-US" altLang="zh-CN" dirty="0"/>
+              <a:t>be</a:t>
+            </a:r>
+            <a:r>
+              <a:rPr lang="zh-CN" altLang="en-US" dirty="0"/>
+              <a:t> </a:t>
+            </a:r>
+            <a:r>
+              <a:rPr lang="en-US" altLang="zh-CN" dirty="0"/>
+              <a:t>done</a:t>
+            </a:r>
+            <a:r>
+              <a:rPr lang="zh-CN" altLang="en-US" dirty="0"/>
+              <a:t> </a:t>
+            </a:r>
+            <a:r>
+              <a:rPr lang="en-US" altLang="zh-CN" dirty="0"/>
+              <a:t>within</a:t>
+            </a:r>
+            <a:r>
+              <a:rPr lang="zh-CN" altLang="en-US" dirty="0"/>
+              <a:t> </a:t>
+            </a:r>
+            <a:r>
+              <a:rPr lang="en-US" altLang="zh-CN" dirty="0"/>
+              <a:t>~0.23ns</a:t>
+            </a:r>
+            <a:endParaRPr lang="en-CN" dirty="0"/>
+          </a:p>
+        </p:txBody>
+      </p:sp>
+    </p:spTree>
+    <p:extLst>
+      <p:ext uri="{BB962C8B-B14F-4D97-AF65-F5344CB8AC3E}">
+        <p14:creationId xmlns:p14="http://schemas.microsoft.com/office/powerpoint/2010/main" val="2582626859"/>
+      </p:ext>
+    </p:extLst>
+  </p:cSld>
+  <p:clrMapOvr>
+    <a:masterClrMapping/>
+  </p:clrMapOvr>
+</p:sld>
+</file>
+
+<file path=ppt/slides/slide39.xml><?xml version="1.0" encoding="utf-8"?>
+<p:sld xmlns:a="http://schemas.openxmlformats.org/drawingml/2006/main" xmlns:r="http://schemas.openxmlformats.org/officeDocument/2006/relationships" xmlns:p="http://schemas.openxmlformats.org/presentationml/2006/main">
+  <p:cSld>
+    <p:spTree>
+      <p:nvGrpSpPr>
         <p:cNvPr id="1" name="">
           <a:extLst>
             <a:ext uri="{FF2B5EF4-FFF2-40B4-BE49-F238E27FC236}">
@@ -44668,7 +45039,7 @@
             <a:fld id="{5B11474F-04F4-744B-8B07-A066A0A4E1E8}" type="slidenum">
               <a:rPr lang="en-CN" smtClean="0"/>
               <a:pPr/>
-              <a:t>38</a:t>
+              <a:t>39</a:t>
             </a:fld>
             <a:endParaRPr lang="en-CN"/>
           </a:p>
